--- a/make_presentation/templates/templates/classic/_42.pptx
+++ b/make_presentation/templates/templates/classic/_42.pptx
@@ -333,7 +333,7 @@
             <a:pPr algn="r">
               <a:buNone/>
             </a:pPr>
-            <a:fld id="{3992EB02-DEA7-4139-AFAC-97F13580FAE7}" type="slidenum">
+            <a:fld id="{C7DD78ED-DFE4-4760-A6AC-FDF056F5C29B}" type="slidenum">
               <a:rPr b="0" lang="en-US" sz="1400" spc="-1" strike="noStrike">
                 <a:latin typeface="Times New Roman"/>
               </a:rPr>
@@ -381,7 +381,7 @@
         <p:spPr>
           <a:xfrm>
             <a:off x="380880" y="685800"/>
-            <a:ext cx="6090840" cy="3423960"/>
+            <a:ext cx="6090480" cy="3423600"/>
           </a:xfrm>
           <a:prstGeom prst="rect">
             <a:avLst/>
@@ -404,7 +404,7 @@
         <p:spPr>
           <a:xfrm>
             <a:off x="685800" y="4343400"/>
-            <a:ext cx="5481360" cy="4109760"/>
+            <a:ext cx="5481000" cy="4109400"/>
           </a:xfrm>
           <a:prstGeom prst="rect">
             <a:avLst/>
@@ -438,7 +438,7 @@
         <p:spPr>
           <a:xfrm>
             <a:off x="3884760" y="8685360"/>
-            <a:ext cx="2966760" cy="452160"/>
+            <a:ext cx="2966400" cy="451800"/>
           </a:xfrm>
           <a:prstGeom prst="rect">
             <a:avLst/>
@@ -474,7 +474,7 @@
               </a:lnSpc>
               <a:buNone/>
             </a:pPr>
-            <a:fld id="{DF0FAE6E-E842-4B3A-B0A6-CFAF74192577}" type="slidenum">
+            <a:fld id="{6DB1903F-0F5E-48E5-ABAE-CA4B8B7BC849}" type="slidenum">
               <a:rPr b="0" lang="en-US" sz="1200" spc="-1" strike="noStrike">
                 <a:solidFill>
                   <a:srgbClr val="000000"/>
@@ -525,7 +525,7 @@
         <p:spPr>
           <a:xfrm>
             <a:off x="380880" y="685800"/>
-            <a:ext cx="6090840" cy="3423960"/>
+            <a:ext cx="6090480" cy="3423600"/>
           </a:xfrm>
           <a:prstGeom prst="rect">
             <a:avLst/>
@@ -548,7 +548,7 @@
         <p:spPr>
           <a:xfrm>
             <a:off x="685800" y="4343400"/>
-            <a:ext cx="5481360" cy="4109760"/>
+            <a:ext cx="5481000" cy="4109400"/>
           </a:xfrm>
           <a:prstGeom prst="rect">
             <a:avLst/>
@@ -582,7 +582,7 @@
         <p:spPr>
           <a:xfrm>
             <a:off x="3884760" y="8685360"/>
-            <a:ext cx="2966760" cy="452160"/>
+            <a:ext cx="2966400" cy="451800"/>
           </a:xfrm>
           <a:prstGeom prst="rect">
             <a:avLst/>
@@ -618,7 +618,7 @@
               </a:lnSpc>
               <a:buNone/>
             </a:pPr>
-            <a:fld id="{CD20AD12-D17E-4BFB-AF2F-D8A779BECE3A}" type="slidenum">
+            <a:fld id="{5923EF99-2D73-4554-8F59-B300B006061F}" type="slidenum">
               <a:rPr b="0" lang="en-US" sz="1200" spc="-1" strike="noStrike">
                 <a:solidFill>
                   <a:srgbClr val="000000"/>
@@ -669,7 +669,7 @@
         <p:spPr>
           <a:xfrm>
             <a:off x="380880" y="685800"/>
-            <a:ext cx="6090840" cy="3423960"/>
+            <a:ext cx="6090480" cy="3423600"/>
           </a:xfrm>
           <a:prstGeom prst="rect">
             <a:avLst/>
@@ -692,7 +692,7 @@
         <p:spPr>
           <a:xfrm>
             <a:off x="685800" y="4343400"/>
-            <a:ext cx="5481360" cy="4109760"/>
+            <a:ext cx="5481000" cy="4109400"/>
           </a:xfrm>
           <a:prstGeom prst="rect">
             <a:avLst/>
@@ -726,7 +726,7 @@
         <p:spPr>
           <a:xfrm>
             <a:off x="3884760" y="8685360"/>
-            <a:ext cx="2966760" cy="452160"/>
+            <a:ext cx="2966400" cy="451800"/>
           </a:xfrm>
           <a:prstGeom prst="rect">
             <a:avLst/>
@@ -762,7 +762,7 @@
               </a:lnSpc>
               <a:buNone/>
             </a:pPr>
-            <a:fld id="{9BA9AC5F-A320-44BA-B153-1206DC7CDF00}" type="slidenum">
+            <a:fld id="{4A4989A5-461C-4D8B-ADF5-F606B24086F3}" type="slidenum">
               <a:rPr b="0" lang="en-US" sz="1200" spc="-1" strike="noStrike">
                 <a:solidFill>
                   <a:srgbClr val="000000"/>
@@ -813,7 +813,7 @@
         <p:spPr>
           <a:xfrm>
             <a:off x="380880" y="685800"/>
-            <a:ext cx="6090840" cy="3423960"/>
+            <a:ext cx="6090480" cy="3423600"/>
           </a:xfrm>
           <a:prstGeom prst="rect">
             <a:avLst/>
@@ -836,7 +836,7 @@
         <p:spPr>
           <a:xfrm>
             <a:off x="685800" y="4343400"/>
-            <a:ext cx="5481360" cy="4109760"/>
+            <a:ext cx="5481000" cy="4109400"/>
           </a:xfrm>
           <a:prstGeom prst="rect">
             <a:avLst/>
@@ -870,7 +870,7 @@
         <p:spPr>
           <a:xfrm>
             <a:off x="3884760" y="8685360"/>
-            <a:ext cx="2966760" cy="452160"/>
+            <a:ext cx="2966400" cy="451800"/>
           </a:xfrm>
           <a:prstGeom prst="rect">
             <a:avLst/>
@@ -906,7 +906,7 @@
               </a:lnSpc>
               <a:buNone/>
             </a:pPr>
-            <a:fld id="{2DF49171-0254-4D54-B3C1-83265F2511E0}" type="slidenum">
+            <a:fld id="{812D18D5-7D3B-4FE5-B3AF-85C05702BFF7}" type="slidenum">
               <a:rPr b="0" lang="en-US" sz="1200" spc="-1" strike="noStrike">
                 <a:solidFill>
                   <a:srgbClr val="000000"/>
@@ -957,7 +957,7 @@
         <p:spPr>
           <a:xfrm>
             <a:off x="380880" y="685800"/>
-            <a:ext cx="6090840" cy="3423960"/>
+            <a:ext cx="6090480" cy="3423600"/>
           </a:xfrm>
           <a:prstGeom prst="rect">
             <a:avLst/>
@@ -980,7 +980,7 @@
         <p:spPr>
           <a:xfrm>
             <a:off x="685800" y="4343400"/>
-            <a:ext cx="5481360" cy="4109760"/>
+            <a:ext cx="5481000" cy="4109400"/>
           </a:xfrm>
           <a:prstGeom prst="rect">
             <a:avLst/>
@@ -1014,7 +1014,7 @@
         <p:spPr>
           <a:xfrm>
             <a:off x="3884760" y="8685360"/>
-            <a:ext cx="2966760" cy="452160"/>
+            <a:ext cx="2966400" cy="451800"/>
           </a:xfrm>
           <a:prstGeom prst="rect">
             <a:avLst/>
@@ -1050,7 +1050,7 @@
               </a:lnSpc>
               <a:buNone/>
             </a:pPr>
-            <a:fld id="{7F7BA111-26AB-4F62-A5EA-EAC5EAE9F2F9}" type="slidenum">
+            <a:fld id="{CEEE454A-EC33-445D-BBD9-B82024F19BAF}" type="slidenum">
               <a:rPr b="0" lang="en-US" sz="1200" spc="-1" strike="noStrike">
                 <a:solidFill>
                   <a:srgbClr val="000000"/>
@@ -1101,7 +1101,7 @@
         <p:spPr>
           <a:xfrm>
             <a:off x="380880" y="685800"/>
-            <a:ext cx="6090840" cy="3423960"/>
+            <a:ext cx="6090480" cy="3423600"/>
           </a:xfrm>
           <a:prstGeom prst="rect">
             <a:avLst/>
@@ -1124,7 +1124,7 @@
         <p:spPr>
           <a:xfrm>
             <a:off x="685800" y="4343400"/>
-            <a:ext cx="5481360" cy="4109760"/>
+            <a:ext cx="5481000" cy="4109400"/>
           </a:xfrm>
           <a:prstGeom prst="rect">
             <a:avLst/>
@@ -1158,7 +1158,7 @@
         <p:spPr>
           <a:xfrm>
             <a:off x="3884760" y="8685360"/>
-            <a:ext cx="2966760" cy="452160"/>
+            <a:ext cx="2966400" cy="451800"/>
           </a:xfrm>
           <a:prstGeom prst="rect">
             <a:avLst/>
@@ -1194,7 +1194,7 @@
               </a:lnSpc>
               <a:buNone/>
             </a:pPr>
-            <a:fld id="{C40809B9-521B-459E-A91C-471586E84703}" type="slidenum">
+            <a:fld id="{26BFBD2D-3CA1-4102-80FD-28B393113BA1}" type="slidenum">
               <a:rPr b="0" lang="en-US" sz="1200" spc="-1" strike="noStrike">
                 <a:solidFill>
                   <a:srgbClr val="000000"/>
@@ -1245,7 +1245,7 @@
         <p:spPr>
           <a:xfrm>
             <a:off x="380880" y="685800"/>
-            <a:ext cx="6090840" cy="3423960"/>
+            <a:ext cx="6090480" cy="3423600"/>
           </a:xfrm>
           <a:prstGeom prst="rect">
             <a:avLst/>
@@ -1268,7 +1268,7 @@
         <p:spPr>
           <a:xfrm>
             <a:off x="685800" y="4343400"/>
-            <a:ext cx="5481360" cy="4109760"/>
+            <a:ext cx="5481000" cy="4109400"/>
           </a:xfrm>
           <a:prstGeom prst="rect">
             <a:avLst/>
@@ -1302,7 +1302,7 @@
         <p:spPr>
           <a:xfrm>
             <a:off x="3884760" y="8685360"/>
-            <a:ext cx="2966760" cy="452160"/>
+            <a:ext cx="2966400" cy="451800"/>
           </a:xfrm>
           <a:prstGeom prst="rect">
             <a:avLst/>
@@ -1338,7 +1338,7 @@
               </a:lnSpc>
               <a:buNone/>
             </a:pPr>
-            <a:fld id="{8869CBF7-F710-4849-AC4C-8E060D2D6903}" type="slidenum">
+            <a:fld id="{1B8CDA88-480A-4627-AFED-850DE9B0AA01}" type="slidenum">
               <a:rPr b="0" lang="en-US" sz="1200" spc="-1" strike="noStrike">
                 <a:solidFill>
                   <a:srgbClr val="000000"/>
@@ -1389,7 +1389,7 @@
         <p:spPr>
           <a:xfrm>
             <a:off x="380880" y="685800"/>
-            <a:ext cx="6090840" cy="3423960"/>
+            <a:ext cx="6090480" cy="3423600"/>
           </a:xfrm>
           <a:prstGeom prst="rect">
             <a:avLst/>
@@ -1412,7 +1412,7 @@
         <p:spPr>
           <a:xfrm>
             <a:off x="685800" y="4343400"/>
-            <a:ext cx="5481360" cy="4109760"/>
+            <a:ext cx="5481000" cy="4109400"/>
           </a:xfrm>
           <a:prstGeom prst="rect">
             <a:avLst/>
@@ -1446,7 +1446,7 @@
         <p:spPr>
           <a:xfrm>
             <a:off x="3884760" y="8685360"/>
-            <a:ext cx="2966760" cy="452160"/>
+            <a:ext cx="2966400" cy="451800"/>
           </a:xfrm>
           <a:prstGeom prst="rect">
             <a:avLst/>
@@ -1482,7 +1482,7 @@
               </a:lnSpc>
               <a:buNone/>
             </a:pPr>
-            <a:fld id="{7C3C5E09-60CB-4DA3-9EFD-1B6735AC63B3}" type="slidenum">
+            <a:fld id="{3CEE9F0D-4F92-44CD-93AC-2842E6554D8A}" type="slidenum">
               <a:rPr b="0" lang="en-US" sz="1200" spc="-1" strike="noStrike">
                 <a:solidFill>
                   <a:srgbClr val="000000"/>
@@ -1533,7 +1533,7 @@
         <p:spPr>
           <a:xfrm>
             <a:off x="380880" y="685800"/>
-            <a:ext cx="6090840" cy="3423960"/>
+            <a:ext cx="6090480" cy="3423600"/>
           </a:xfrm>
           <a:prstGeom prst="rect">
             <a:avLst/>
@@ -1556,7 +1556,7 @@
         <p:spPr>
           <a:xfrm>
             <a:off x="685800" y="4343400"/>
-            <a:ext cx="5481360" cy="4109760"/>
+            <a:ext cx="5481000" cy="4109400"/>
           </a:xfrm>
           <a:prstGeom prst="rect">
             <a:avLst/>
@@ -1590,7 +1590,7 @@
         <p:spPr>
           <a:xfrm>
             <a:off x="3884760" y="8685360"/>
-            <a:ext cx="2966760" cy="452160"/>
+            <a:ext cx="2966400" cy="451800"/>
           </a:xfrm>
           <a:prstGeom prst="rect">
             <a:avLst/>
@@ -1626,7 +1626,7 @@
               </a:lnSpc>
               <a:buNone/>
             </a:pPr>
-            <a:fld id="{891206B2-6D84-41BB-ACF0-A7A4AB50B4F6}" type="slidenum">
+            <a:fld id="{857E560B-41FE-4B17-8B08-0B5BF1E19CEE}" type="slidenum">
               <a:rPr b="0" lang="en-US" sz="1200" spc="-1" strike="noStrike">
                 <a:solidFill>
                   <a:srgbClr val="000000"/>
@@ -1677,7 +1677,7 @@
         <p:spPr>
           <a:xfrm>
             <a:off x="380880" y="685800"/>
-            <a:ext cx="6090840" cy="3423960"/>
+            <a:ext cx="6090480" cy="3423600"/>
           </a:xfrm>
           <a:prstGeom prst="rect">
             <a:avLst/>
@@ -1700,7 +1700,7 @@
         <p:spPr>
           <a:xfrm>
             <a:off x="685800" y="4343400"/>
-            <a:ext cx="5481360" cy="4109760"/>
+            <a:ext cx="5481000" cy="4109400"/>
           </a:xfrm>
           <a:prstGeom prst="rect">
             <a:avLst/>
@@ -1734,7 +1734,7 @@
         <p:spPr>
           <a:xfrm>
             <a:off x="3884760" y="8685360"/>
-            <a:ext cx="2966760" cy="452160"/>
+            <a:ext cx="2966400" cy="451800"/>
           </a:xfrm>
           <a:prstGeom prst="rect">
             <a:avLst/>
@@ -1770,7 +1770,7 @@
               </a:lnSpc>
               <a:buNone/>
             </a:pPr>
-            <a:fld id="{89315E19-B158-475D-A6AB-3EB21D0A307A}" type="slidenum">
+            <a:fld id="{13202FA2-C114-4AC4-82C6-15F06E71AB60}" type="slidenum">
               <a:rPr b="0" lang="en-US" sz="1200" spc="-1" strike="noStrike">
                 <a:solidFill>
                   <a:srgbClr val="000000"/>
@@ -1821,7 +1821,7 @@
         <p:spPr>
           <a:xfrm>
             <a:off x="380880" y="685800"/>
-            <a:ext cx="6090840" cy="3423960"/>
+            <a:ext cx="6090480" cy="3423600"/>
           </a:xfrm>
           <a:prstGeom prst="rect">
             <a:avLst/>
@@ -1844,7 +1844,7 @@
         <p:spPr>
           <a:xfrm>
             <a:off x="685800" y="4343400"/>
-            <a:ext cx="5481360" cy="4109760"/>
+            <a:ext cx="5481000" cy="4109400"/>
           </a:xfrm>
           <a:prstGeom prst="rect">
             <a:avLst/>
@@ -1878,7 +1878,7 @@
         <p:spPr>
           <a:xfrm>
             <a:off x="3884760" y="8685360"/>
-            <a:ext cx="2966760" cy="452160"/>
+            <a:ext cx="2966400" cy="451800"/>
           </a:xfrm>
           <a:prstGeom prst="rect">
             <a:avLst/>
@@ -1914,7 +1914,7 @@
               </a:lnSpc>
               <a:buNone/>
             </a:pPr>
-            <a:fld id="{0D49DB84-C37D-4486-AC46-26023C2714A8}" type="slidenum">
+            <a:fld id="{8A59B446-5325-448F-97B9-F2CCA643EB93}" type="slidenum">
               <a:rPr b="0" lang="en-US" sz="1200" spc="-1" strike="noStrike">
                 <a:solidFill>
                   <a:srgbClr val="000000"/>
@@ -1965,7 +1965,7 @@
         <p:spPr>
           <a:xfrm>
             <a:off x="380880" y="685800"/>
-            <a:ext cx="6090840" cy="3423960"/>
+            <a:ext cx="6090480" cy="3423600"/>
           </a:xfrm>
           <a:prstGeom prst="rect">
             <a:avLst/>
@@ -1988,7 +1988,7 @@
         <p:spPr>
           <a:xfrm>
             <a:off x="685800" y="4343400"/>
-            <a:ext cx="5481360" cy="4109760"/>
+            <a:ext cx="5481000" cy="4109400"/>
           </a:xfrm>
           <a:prstGeom prst="rect">
             <a:avLst/>
@@ -2022,7 +2022,7 @@
         <p:spPr>
           <a:xfrm>
             <a:off x="3884760" y="8685360"/>
-            <a:ext cx="2966760" cy="452160"/>
+            <a:ext cx="2966400" cy="451800"/>
           </a:xfrm>
           <a:prstGeom prst="rect">
             <a:avLst/>
@@ -2058,7 +2058,7 @@
               </a:lnSpc>
               <a:buNone/>
             </a:pPr>
-            <a:fld id="{E997294D-54DB-48FB-BD73-6942CB5A24CD}" type="slidenum">
+            <a:fld id="{0E480C49-174A-40CD-BF5E-749C78F2753A}" type="slidenum">
               <a:rPr b="0" lang="en-US" sz="1200" spc="-1" strike="noStrike">
                 <a:solidFill>
                   <a:srgbClr val="000000"/>
@@ -2109,7 +2109,7 @@
         <p:spPr>
           <a:xfrm>
             <a:off x="380880" y="685800"/>
-            <a:ext cx="6090840" cy="3423960"/>
+            <a:ext cx="6090480" cy="3423600"/>
           </a:xfrm>
           <a:prstGeom prst="rect">
             <a:avLst/>
@@ -2132,7 +2132,7 @@
         <p:spPr>
           <a:xfrm>
             <a:off x="685800" y="4343400"/>
-            <a:ext cx="5481360" cy="4109760"/>
+            <a:ext cx="5481000" cy="4109400"/>
           </a:xfrm>
           <a:prstGeom prst="rect">
             <a:avLst/>
@@ -2166,7 +2166,7 @@
         <p:spPr>
           <a:xfrm>
             <a:off x="3884760" y="8685360"/>
-            <a:ext cx="2966760" cy="452160"/>
+            <a:ext cx="2966400" cy="451800"/>
           </a:xfrm>
           <a:prstGeom prst="rect">
             <a:avLst/>
@@ -2202,7 +2202,7 @@
               </a:lnSpc>
               <a:buNone/>
             </a:pPr>
-            <a:fld id="{79AB02BF-BD9E-473A-97F1-52530BE2C63D}" type="slidenum">
+            <a:fld id="{19C53CF1-04F2-4EE5-B0CA-FCC743EFA53A}" type="slidenum">
               <a:rPr b="0" lang="en-US" sz="1200" spc="-1" strike="noStrike">
                 <a:solidFill>
                   <a:srgbClr val="000000"/>
@@ -2253,7 +2253,7 @@
         <p:spPr>
           <a:xfrm>
             <a:off x="380880" y="685800"/>
-            <a:ext cx="6090840" cy="3423960"/>
+            <a:ext cx="6090480" cy="3423600"/>
           </a:xfrm>
           <a:prstGeom prst="rect">
             <a:avLst/>
@@ -2276,7 +2276,7 @@
         <p:spPr>
           <a:xfrm>
             <a:off x="685800" y="4343400"/>
-            <a:ext cx="5481360" cy="4109760"/>
+            <a:ext cx="5481000" cy="4109400"/>
           </a:xfrm>
           <a:prstGeom prst="rect">
             <a:avLst/>
@@ -2310,7 +2310,7 @@
         <p:spPr>
           <a:xfrm>
             <a:off x="3884760" y="8685360"/>
-            <a:ext cx="2966760" cy="452160"/>
+            <a:ext cx="2966400" cy="451800"/>
           </a:xfrm>
           <a:prstGeom prst="rect">
             <a:avLst/>
@@ -2346,7 +2346,7 @@
               </a:lnSpc>
               <a:buNone/>
             </a:pPr>
-            <a:fld id="{C17431E2-A280-42C7-B714-6F2164FB86CE}" type="slidenum">
+            <a:fld id="{3CF88C2D-7F5D-4D12-8F1D-B09A30DD7F5C}" type="slidenum">
               <a:rPr b="0" lang="en-US" sz="1200" spc="-1" strike="noStrike">
                 <a:solidFill>
                   <a:srgbClr val="000000"/>
@@ -2397,7 +2397,7 @@
         <p:spPr>
           <a:xfrm>
             <a:off x="380880" y="685800"/>
-            <a:ext cx="6090840" cy="3423960"/>
+            <a:ext cx="6090480" cy="3423600"/>
           </a:xfrm>
           <a:prstGeom prst="rect">
             <a:avLst/>
@@ -2420,7 +2420,7 @@
         <p:spPr>
           <a:xfrm>
             <a:off x="685800" y="4343400"/>
-            <a:ext cx="5481360" cy="4109760"/>
+            <a:ext cx="5481000" cy="4109400"/>
           </a:xfrm>
           <a:prstGeom prst="rect">
             <a:avLst/>
@@ -2454,7 +2454,7 @@
         <p:spPr>
           <a:xfrm>
             <a:off x="3884760" y="8685360"/>
-            <a:ext cx="2966760" cy="452160"/>
+            <a:ext cx="2966400" cy="451800"/>
           </a:xfrm>
           <a:prstGeom prst="rect">
             <a:avLst/>
@@ -2490,7 +2490,7 @@
               </a:lnSpc>
               <a:buNone/>
             </a:pPr>
-            <a:fld id="{1EBD52F8-6D3D-4926-8738-78B9099D1BEC}" type="slidenum">
+            <a:fld id="{5A2DEEC6-AB5B-43D4-B83F-4D73822C4BD6}" type="slidenum">
               <a:rPr b="0" lang="en-US" sz="1200" spc="-1" strike="noStrike">
                 <a:solidFill>
                   <a:srgbClr val="000000"/>
@@ -2541,7 +2541,7 @@
         <p:spPr>
           <a:xfrm>
             <a:off x="380880" y="685800"/>
-            <a:ext cx="6090840" cy="3423960"/>
+            <a:ext cx="6090480" cy="3423600"/>
           </a:xfrm>
           <a:prstGeom prst="rect">
             <a:avLst/>
@@ -2564,7 +2564,7 @@
         <p:spPr>
           <a:xfrm>
             <a:off x="685800" y="4343400"/>
-            <a:ext cx="5481360" cy="4109760"/>
+            <a:ext cx="5481000" cy="4109400"/>
           </a:xfrm>
           <a:prstGeom prst="rect">
             <a:avLst/>
@@ -2598,7 +2598,7 @@
         <p:spPr>
           <a:xfrm>
             <a:off x="3884760" y="8685360"/>
-            <a:ext cx="2966760" cy="452160"/>
+            <a:ext cx="2966400" cy="451800"/>
           </a:xfrm>
           <a:prstGeom prst="rect">
             <a:avLst/>
@@ -2634,7 +2634,7 @@
               </a:lnSpc>
               <a:buNone/>
             </a:pPr>
-            <a:fld id="{B6372D79-C0FE-4843-9DD5-9B60A2031ACF}" type="slidenum">
+            <a:fld id="{3D572567-F5B0-447C-A590-6676B966B44E}" type="slidenum">
               <a:rPr b="0" lang="en-US" sz="1200" spc="-1" strike="noStrike">
                 <a:solidFill>
                   <a:srgbClr val="000000"/>
@@ -2685,7 +2685,7 @@
         <p:spPr>
           <a:xfrm>
             <a:off x="380880" y="685800"/>
-            <a:ext cx="6090840" cy="3423960"/>
+            <a:ext cx="6090480" cy="3423600"/>
           </a:xfrm>
           <a:prstGeom prst="rect">
             <a:avLst/>
@@ -2708,7 +2708,7 @@
         <p:spPr>
           <a:xfrm>
             <a:off x="685800" y="4343400"/>
-            <a:ext cx="5481360" cy="4109760"/>
+            <a:ext cx="5481000" cy="4109400"/>
           </a:xfrm>
           <a:prstGeom prst="rect">
             <a:avLst/>
@@ -2742,7 +2742,7 @@
         <p:spPr>
           <a:xfrm>
             <a:off x="3884760" y="8685360"/>
-            <a:ext cx="2966760" cy="452160"/>
+            <a:ext cx="2966400" cy="451800"/>
           </a:xfrm>
           <a:prstGeom prst="rect">
             <a:avLst/>
@@ -2778,7 +2778,7 @@
               </a:lnSpc>
               <a:buNone/>
             </a:pPr>
-            <a:fld id="{F8484B66-C219-4ED7-B955-F259408E86E6}" type="slidenum">
+            <a:fld id="{0E59123F-4B9F-4409-8D1C-F022D7916834}" type="slidenum">
               <a:rPr b="0" lang="en-US" sz="1200" spc="-1" strike="noStrike">
                 <a:solidFill>
                   <a:srgbClr val="000000"/>
@@ -2829,7 +2829,7 @@
         <p:spPr>
           <a:xfrm>
             <a:off x="380880" y="685800"/>
-            <a:ext cx="6090840" cy="3423960"/>
+            <a:ext cx="6090480" cy="3423600"/>
           </a:xfrm>
           <a:prstGeom prst="rect">
             <a:avLst/>
@@ -2852,7 +2852,7 @@
         <p:spPr>
           <a:xfrm>
             <a:off x="685800" y="4343400"/>
-            <a:ext cx="5481360" cy="4109760"/>
+            <a:ext cx="5481000" cy="4109400"/>
           </a:xfrm>
           <a:prstGeom prst="rect">
             <a:avLst/>
@@ -2886,7 +2886,7 @@
         <p:spPr>
           <a:xfrm>
             <a:off x="3884760" y="8685360"/>
-            <a:ext cx="2966760" cy="452160"/>
+            <a:ext cx="2966400" cy="451800"/>
           </a:xfrm>
           <a:prstGeom prst="rect">
             <a:avLst/>
@@ -2922,7 +2922,7 @@
               </a:lnSpc>
               <a:buNone/>
             </a:pPr>
-            <a:fld id="{E88A0B13-92EF-4923-A094-1CD70A33E24C}" type="slidenum">
+            <a:fld id="{00E7BB1E-CA98-4F92-AB6A-2D17F7DF425B}" type="slidenum">
               <a:rPr b="0" lang="en-US" sz="1200" spc="-1" strike="noStrike">
                 <a:solidFill>
                   <a:srgbClr val="000000"/>
@@ -2973,7 +2973,7 @@
         <p:spPr>
           <a:xfrm>
             <a:off x="380880" y="685800"/>
-            <a:ext cx="6090840" cy="3423960"/>
+            <a:ext cx="6090480" cy="3423600"/>
           </a:xfrm>
           <a:prstGeom prst="rect">
             <a:avLst/>
@@ -2996,7 +2996,7 @@
         <p:spPr>
           <a:xfrm>
             <a:off x="685800" y="4343400"/>
-            <a:ext cx="5481360" cy="4109760"/>
+            <a:ext cx="5481000" cy="4109400"/>
           </a:xfrm>
           <a:prstGeom prst="rect">
             <a:avLst/>
@@ -3030,7 +3030,7 @@
         <p:spPr>
           <a:xfrm>
             <a:off x="3884760" y="8685360"/>
-            <a:ext cx="2966760" cy="452160"/>
+            <a:ext cx="2966400" cy="451800"/>
           </a:xfrm>
           <a:prstGeom prst="rect">
             <a:avLst/>
@@ -3066,7 +3066,7 @@
               </a:lnSpc>
               <a:buNone/>
             </a:pPr>
-            <a:fld id="{31A66E7B-A0BB-4C08-BC93-44A5F2B0AC7A}" type="slidenum">
+            <a:fld id="{9604F6A0-EAC3-47CC-8D57-90FCEE271560}" type="slidenum">
               <a:rPr b="0" lang="en-US" sz="1200" spc="-1" strike="noStrike">
                 <a:solidFill>
                   <a:srgbClr val="000000"/>
@@ -3117,7 +3117,7 @@
         <p:spPr>
           <a:xfrm>
             <a:off x="380880" y="685800"/>
-            <a:ext cx="6090840" cy="3423960"/>
+            <a:ext cx="6090480" cy="3423600"/>
           </a:xfrm>
           <a:prstGeom prst="rect">
             <a:avLst/>
@@ -3140,7 +3140,7 @@
         <p:spPr>
           <a:xfrm>
             <a:off x="685800" y="4343400"/>
-            <a:ext cx="5481360" cy="4109760"/>
+            <a:ext cx="5481000" cy="4109400"/>
           </a:xfrm>
           <a:prstGeom prst="rect">
             <a:avLst/>
@@ -3174,7 +3174,7 @@
         <p:spPr>
           <a:xfrm>
             <a:off x="3884760" y="8685360"/>
-            <a:ext cx="2966760" cy="452160"/>
+            <a:ext cx="2966400" cy="451800"/>
           </a:xfrm>
           <a:prstGeom prst="rect">
             <a:avLst/>
@@ -3210,7 +3210,7 @@
               </a:lnSpc>
               <a:buNone/>
             </a:pPr>
-            <a:fld id="{16737EBC-5944-4190-BB85-AFE8A0220EA2}" type="slidenum">
+            <a:fld id="{038B65CA-C826-4C68-B0F1-4D0E09FA78DE}" type="slidenum">
               <a:rPr b="0" lang="en-US" sz="1200" spc="-1" strike="noStrike">
                 <a:solidFill>
                   <a:srgbClr val="000000"/>
@@ -3261,7 +3261,7 @@
         <p:spPr>
           <a:xfrm>
             <a:off x="380880" y="685800"/>
-            <a:ext cx="6090840" cy="3423960"/>
+            <a:ext cx="6090480" cy="3423600"/>
           </a:xfrm>
           <a:prstGeom prst="rect">
             <a:avLst/>
@@ -3284,7 +3284,7 @@
         <p:spPr>
           <a:xfrm>
             <a:off x="685800" y="4343400"/>
-            <a:ext cx="5481360" cy="4109760"/>
+            <a:ext cx="5481000" cy="4109400"/>
           </a:xfrm>
           <a:prstGeom prst="rect">
             <a:avLst/>
@@ -3318,7 +3318,7 @@
         <p:spPr>
           <a:xfrm>
             <a:off x="3884760" y="8685360"/>
-            <a:ext cx="2966760" cy="452160"/>
+            <a:ext cx="2966400" cy="451800"/>
           </a:xfrm>
           <a:prstGeom prst="rect">
             <a:avLst/>
@@ -3354,7 +3354,7 @@
               </a:lnSpc>
               <a:buNone/>
             </a:pPr>
-            <a:fld id="{642F1124-D1C1-4B3E-845B-012A47F5B76B}" type="slidenum">
+            <a:fld id="{7DA8E6DD-BD91-415B-AE64-BB37D278649F}" type="slidenum">
               <a:rPr b="0" lang="en-US" sz="1200" spc="-1" strike="noStrike">
                 <a:solidFill>
                   <a:srgbClr val="000000"/>
@@ -3405,7 +3405,7 @@
         <p:spPr>
           <a:xfrm>
             <a:off x="380880" y="685800"/>
-            <a:ext cx="6090840" cy="3423960"/>
+            <a:ext cx="6090480" cy="3423600"/>
           </a:xfrm>
           <a:prstGeom prst="rect">
             <a:avLst/>
@@ -3428,7 +3428,7 @@
         <p:spPr>
           <a:xfrm>
             <a:off x="685800" y="4343400"/>
-            <a:ext cx="5481360" cy="4109760"/>
+            <a:ext cx="5481000" cy="4109400"/>
           </a:xfrm>
           <a:prstGeom prst="rect">
             <a:avLst/>
@@ -3462,7 +3462,7 @@
         <p:spPr>
           <a:xfrm>
             <a:off x="3884760" y="8685360"/>
-            <a:ext cx="2966760" cy="452160"/>
+            <a:ext cx="2966400" cy="451800"/>
           </a:xfrm>
           <a:prstGeom prst="rect">
             <a:avLst/>
@@ -3498,7 +3498,7 @@
               </a:lnSpc>
               <a:buNone/>
             </a:pPr>
-            <a:fld id="{1FA41569-0847-430B-B166-2963C1C7CEF2}" type="slidenum">
+            <a:fld id="{AE9C045F-B101-4162-84EF-D6C946B836D9}" type="slidenum">
               <a:rPr b="0" lang="en-US" sz="1200" spc="-1" strike="noStrike">
                 <a:solidFill>
                   <a:srgbClr val="000000"/>
@@ -3549,7 +3549,7 @@
         <p:spPr>
           <a:xfrm>
             <a:off x="380880" y="685800"/>
-            <a:ext cx="6090840" cy="3423960"/>
+            <a:ext cx="6090480" cy="3423600"/>
           </a:xfrm>
           <a:prstGeom prst="rect">
             <a:avLst/>
@@ -3572,7 +3572,7 @@
         <p:spPr>
           <a:xfrm>
             <a:off x="685800" y="4343400"/>
-            <a:ext cx="5481360" cy="4109760"/>
+            <a:ext cx="5481000" cy="4109400"/>
           </a:xfrm>
           <a:prstGeom prst="rect">
             <a:avLst/>
@@ -3606,7 +3606,7 @@
         <p:spPr>
           <a:xfrm>
             <a:off x="3884760" y="8685360"/>
-            <a:ext cx="2966760" cy="452160"/>
+            <a:ext cx="2966400" cy="451800"/>
           </a:xfrm>
           <a:prstGeom prst="rect">
             <a:avLst/>
@@ -3642,7 +3642,7 @@
               </a:lnSpc>
               <a:buNone/>
             </a:pPr>
-            <a:fld id="{6424370C-0D3B-4796-A81A-E001E80381C8}" type="slidenum">
+            <a:fld id="{D03F3892-B860-4019-95A8-06A06329B37E}" type="slidenum">
               <a:rPr b="0" lang="en-US" sz="1200" spc="-1" strike="noStrike">
                 <a:solidFill>
                   <a:srgbClr val="000000"/>
@@ -3693,7 +3693,7 @@
         <p:spPr>
           <a:xfrm>
             <a:off x="380880" y="685800"/>
-            <a:ext cx="6090840" cy="3423960"/>
+            <a:ext cx="6090480" cy="3423600"/>
           </a:xfrm>
           <a:prstGeom prst="rect">
             <a:avLst/>
@@ -3716,7 +3716,7 @@
         <p:spPr>
           <a:xfrm>
             <a:off x="685800" y="4343400"/>
-            <a:ext cx="5481360" cy="4109760"/>
+            <a:ext cx="5481000" cy="4109400"/>
           </a:xfrm>
           <a:prstGeom prst="rect">
             <a:avLst/>
@@ -3750,7 +3750,7 @@
         <p:spPr>
           <a:xfrm>
             <a:off x="3884760" y="8685360"/>
-            <a:ext cx="2966760" cy="452160"/>
+            <a:ext cx="2966400" cy="451800"/>
           </a:xfrm>
           <a:prstGeom prst="rect">
             <a:avLst/>
@@ -3786,7 +3786,7 @@
               </a:lnSpc>
               <a:buNone/>
             </a:pPr>
-            <a:fld id="{C0DF028B-C564-4D3D-9E22-897FBE5AB487}" type="slidenum">
+            <a:fld id="{E170315B-9D05-4B93-A5A2-528F45F1D906}" type="slidenum">
               <a:rPr b="0" lang="en-US" sz="1200" spc="-1" strike="noStrike">
                 <a:solidFill>
                   <a:srgbClr val="000000"/>
@@ -3837,7 +3837,7 @@
         <p:spPr>
           <a:xfrm>
             <a:off x="380880" y="685800"/>
-            <a:ext cx="6090840" cy="3423960"/>
+            <a:ext cx="6090480" cy="3423600"/>
           </a:xfrm>
           <a:prstGeom prst="rect">
             <a:avLst/>
@@ -3860,7 +3860,7 @@
         <p:spPr>
           <a:xfrm>
             <a:off x="685800" y="4343400"/>
-            <a:ext cx="5481360" cy="4109760"/>
+            <a:ext cx="5481000" cy="4109400"/>
           </a:xfrm>
           <a:prstGeom prst="rect">
             <a:avLst/>
@@ -3894,7 +3894,7 @@
         <p:spPr>
           <a:xfrm>
             <a:off x="3884760" y="8685360"/>
-            <a:ext cx="2966760" cy="452160"/>
+            <a:ext cx="2966400" cy="451800"/>
           </a:xfrm>
           <a:prstGeom prst="rect">
             <a:avLst/>
@@ -3930,7 +3930,7 @@
               </a:lnSpc>
               <a:buNone/>
             </a:pPr>
-            <a:fld id="{46924E1C-860F-4985-98E3-C3161DF35C68}" type="slidenum">
+            <a:fld id="{A24B21E9-B046-4A48-87B6-8D9420ACD1A6}" type="slidenum">
               <a:rPr b="0" lang="en-US" sz="1200" spc="-1" strike="noStrike">
                 <a:solidFill>
                   <a:srgbClr val="000000"/>
@@ -3981,7 +3981,7 @@
         <p:spPr>
           <a:xfrm>
             <a:off x="380880" y="685800"/>
-            <a:ext cx="6090840" cy="3423960"/>
+            <a:ext cx="6090480" cy="3423600"/>
           </a:xfrm>
           <a:prstGeom prst="rect">
             <a:avLst/>
@@ -4004,7 +4004,7 @@
         <p:spPr>
           <a:xfrm>
             <a:off x="685800" y="4343400"/>
-            <a:ext cx="5481360" cy="4109760"/>
+            <a:ext cx="5481000" cy="4109400"/>
           </a:xfrm>
           <a:prstGeom prst="rect">
             <a:avLst/>
@@ -4038,7 +4038,7 @@
         <p:spPr>
           <a:xfrm>
             <a:off x="3884760" y="8685360"/>
-            <a:ext cx="2966760" cy="452160"/>
+            <a:ext cx="2966400" cy="451800"/>
           </a:xfrm>
           <a:prstGeom prst="rect">
             <a:avLst/>
@@ -4074,7 +4074,7 @@
               </a:lnSpc>
               <a:buNone/>
             </a:pPr>
-            <a:fld id="{F3992EF5-3E5E-4C27-96AC-901ACFDD523A}" type="slidenum">
+            <a:fld id="{DBC11217-67B8-4FD1-AA1A-5B5DFFE5893E}" type="slidenum">
               <a:rPr b="0" lang="en-US" sz="1200" spc="-1" strike="noStrike">
                 <a:solidFill>
                   <a:srgbClr val="000000"/>
@@ -4125,7 +4125,7 @@
         <p:spPr>
           <a:xfrm>
             <a:off x="380880" y="685800"/>
-            <a:ext cx="6090840" cy="3423960"/>
+            <a:ext cx="6090480" cy="3423600"/>
           </a:xfrm>
           <a:prstGeom prst="rect">
             <a:avLst/>
@@ -4148,7 +4148,7 @@
         <p:spPr>
           <a:xfrm>
             <a:off x="685800" y="4343400"/>
-            <a:ext cx="5481360" cy="4109760"/>
+            <a:ext cx="5481000" cy="4109400"/>
           </a:xfrm>
           <a:prstGeom prst="rect">
             <a:avLst/>
@@ -4182,7 +4182,7 @@
         <p:spPr>
           <a:xfrm>
             <a:off x="3884760" y="8685360"/>
-            <a:ext cx="2966760" cy="452160"/>
+            <a:ext cx="2966400" cy="451800"/>
           </a:xfrm>
           <a:prstGeom prst="rect">
             <a:avLst/>
@@ -4218,7 +4218,7 @@
               </a:lnSpc>
               <a:buNone/>
             </a:pPr>
-            <a:fld id="{2FC47951-65DD-41FD-AF6B-CAD35A48B041}" type="slidenum">
+            <a:fld id="{9FB233F1-62E5-4530-97E5-D94938B34845}" type="slidenum">
               <a:rPr b="0" lang="en-US" sz="1200" spc="-1" strike="noStrike">
                 <a:solidFill>
                   <a:srgbClr val="000000"/>
@@ -4269,7 +4269,7 @@
         <p:spPr>
           <a:xfrm>
             <a:off x="380880" y="685800"/>
-            <a:ext cx="6090840" cy="3423960"/>
+            <a:ext cx="6090480" cy="3423600"/>
           </a:xfrm>
           <a:prstGeom prst="rect">
             <a:avLst/>
@@ -4292,7 +4292,7 @@
         <p:spPr>
           <a:xfrm>
             <a:off x="685800" y="4343400"/>
-            <a:ext cx="5481360" cy="4109760"/>
+            <a:ext cx="5481000" cy="4109400"/>
           </a:xfrm>
           <a:prstGeom prst="rect">
             <a:avLst/>
@@ -4326,7 +4326,7 @@
         <p:spPr>
           <a:xfrm>
             <a:off x="3884760" y="8685360"/>
-            <a:ext cx="2966760" cy="452160"/>
+            <a:ext cx="2966400" cy="451800"/>
           </a:xfrm>
           <a:prstGeom prst="rect">
             <a:avLst/>
@@ -4362,7 +4362,7 @@
               </a:lnSpc>
               <a:buNone/>
             </a:pPr>
-            <a:fld id="{A8387306-2C77-4CDA-807E-92C3A2E75ECD}" type="slidenum">
+            <a:fld id="{6B3A744E-8C5C-4297-AE61-A66068F1C091}" type="slidenum">
               <a:rPr b="0" lang="en-US" sz="1200" spc="-1" strike="noStrike">
                 <a:solidFill>
                   <a:srgbClr val="000000"/>
@@ -4413,7 +4413,7 @@
         <p:spPr>
           <a:xfrm>
             <a:off x="380880" y="685800"/>
-            <a:ext cx="6090840" cy="3423960"/>
+            <a:ext cx="6090480" cy="3423600"/>
           </a:xfrm>
           <a:prstGeom prst="rect">
             <a:avLst/>
@@ -4436,7 +4436,7 @@
         <p:spPr>
           <a:xfrm>
             <a:off x="685800" y="4343400"/>
-            <a:ext cx="5481360" cy="4109760"/>
+            <a:ext cx="5481000" cy="4109400"/>
           </a:xfrm>
           <a:prstGeom prst="rect">
             <a:avLst/>
@@ -4470,7 +4470,7 @@
         <p:spPr>
           <a:xfrm>
             <a:off x="3884760" y="8685360"/>
-            <a:ext cx="2966760" cy="452160"/>
+            <a:ext cx="2966400" cy="451800"/>
           </a:xfrm>
           <a:prstGeom prst="rect">
             <a:avLst/>
@@ -4506,7 +4506,7 @@
               </a:lnSpc>
               <a:buNone/>
             </a:pPr>
-            <a:fld id="{1BADC7D9-F7E6-4DB6-8CB2-6EEE9EDD2F35}" type="slidenum">
+            <a:fld id="{6C0DDAA1-B9FE-4F99-8194-CE86EE383938}" type="slidenum">
               <a:rPr b="0" lang="en-US" sz="1200" spc="-1" strike="noStrike">
                 <a:solidFill>
                   <a:srgbClr val="000000"/>
@@ -4557,7 +4557,7 @@
         <p:spPr>
           <a:xfrm>
             <a:off x="380880" y="685800"/>
-            <a:ext cx="6090840" cy="3423960"/>
+            <a:ext cx="6090480" cy="3423600"/>
           </a:xfrm>
           <a:prstGeom prst="rect">
             <a:avLst/>
@@ -4580,7 +4580,7 @@
         <p:spPr>
           <a:xfrm>
             <a:off x="685800" y="4343400"/>
-            <a:ext cx="5481360" cy="4109760"/>
+            <a:ext cx="5481000" cy="4109400"/>
           </a:xfrm>
           <a:prstGeom prst="rect">
             <a:avLst/>
@@ -4614,7 +4614,7 @@
         <p:spPr>
           <a:xfrm>
             <a:off x="3884760" y="8685360"/>
-            <a:ext cx="2966760" cy="452160"/>
+            <a:ext cx="2966400" cy="451800"/>
           </a:xfrm>
           <a:prstGeom prst="rect">
             <a:avLst/>
@@ -4650,7 +4650,7 @@
               </a:lnSpc>
               <a:buNone/>
             </a:pPr>
-            <a:fld id="{740DEA6C-95AA-4067-9195-44D25D6CBAAC}" type="slidenum">
+            <a:fld id="{A787F649-A1F8-445F-8A3B-28667F889A1C}" type="slidenum">
               <a:rPr b="0" lang="en-US" sz="1200" spc="-1" strike="noStrike">
                 <a:solidFill>
                   <a:srgbClr val="000000"/>
@@ -4701,7 +4701,7 @@
         <p:spPr>
           <a:xfrm>
             <a:off x="380880" y="685800"/>
-            <a:ext cx="6090840" cy="3423960"/>
+            <a:ext cx="6090480" cy="3423600"/>
           </a:xfrm>
           <a:prstGeom prst="rect">
             <a:avLst/>
@@ -4724,7 +4724,7 @@
         <p:spPr>
           <a:xfrm>
             <a:off x="685800" y="4343400"/>
-            <a:ext cx="5481360" cy="4109760"/>
+            <a:ext cx="5481000" cy="4109400"/>
           </a:xfrm>
           <a:prstGeom prst="rect">
             <a:avLst/>
@@ -4758,7 +4758,7 @@
         <p:spPr>
           <a:xfrm>
             <a:off x="3884760" y="8685360"/>
-            <a:ext cx="2966760" cy="452160"/>
+            <a:ext cx="2966400" cy="451800"/>
           </a:xfrm>
           <a:prstGeom prst="rect">
             <a:avLst/>
@@ -4794,7 +4794,7 @@
               </a:lnSpc>
               <a:buNone/>
             </a:pPr>
-            <a:fld id="{A145FE31-E3DD-4EFC-B5F3-19271BB6C9B0}" type="slidenum">
+            <a:fld id="{678A0B63-704F-43F8-9208-7784293F6229}" type="slidenum">
               <a:rPr b="0" lang="en-US" sz="1200" spc="-1" strike="noStrike">
                 <a:solidFill>
                   <a:srgbClr val="000000"/>
@@ -4845,7 +4845,7 @@
         <p:spPr>
           <a:xfrm>
             <a:off x="380880" y="685800"/>
-            <a:ext cx="6090840" cy="3423960"/>
+            <a:ext cx="6090480" cy="3423600"/>
           </a:xfrm>
           <a:prstGeom prst="rect">
             <a:avLst/>
@@ -4868,7 +4868,7 @@
         <p:spPr>
           <a:xfrm>
             <a:off x="685800" y="4343400"/>
-            <a:ext cx="5481360" cy="4109760"/>
+            <a:ext cx="5481000" cy="4109400"/>
           </a:xfrm>
           <a:prstGeom prst="rect">
             <a:avLst/>
@@ -4902,7 +4902,7 @@
         <p:spPr>
           <a:xfrm>
             <a:off x="3884760" y="8685360"/>
-            <a:ext cx="2966760" cy="452160"/>
+            <a:ext cx="2966400" cy="451800"/>
           </a:xfrm>
           <a:prstGeom prst="rect">
             <a:avLst/>
@@ -4938,7 +4938,7 @@
               </a:lnSpc>
               <a:buNone/>
             </a:pPr>
-            <a:fld id="{68CA061D-56E0-4C80-AB12-18B7EE025869}" type="slidenum">
+            <a:fld id="{6F73018B-5D31-4027-B3D1-09373B23372C}" type="slidenum">
               <a:rPr b="0" lang="en-US" sz="1200" spc="-1" strike="noStrike">
                 <a:solidFill>
                   <a:srgbClr val="000000"/>
@@ -4989,7 +4989,7 @@
         <p:spPr>
           <a:xfrm>
             <a:off x="380880" y="685800"/>
-            <a:ext cx="6090840" cy="3423960"/>
+            <a:ext cx="6090480" cy="3423600"/>
           </a:xfrm>
           <a:prstGeom prst="rect">
             <a:avLst/>
@@ -5012,7 +5012,7 @@
         <p:spPr>
           <a:xfrm>
             <a:off x="685800" y="4343400"/>
-            <a:ext cx="5481360" cy="4109760"/>
+            <a:ext cx="5481000" cy="4109400"/>
           </a:xfrm>
           <a:prstGeom prst="rect">
             <a:avLst/>
@@ -5046,7 +5046,7 @@
         <p:spPr>
           <a:xfrm>
             <a:off x="3884760" y="8685360"/>
-            <a:ext cx="2966760" cy="452160"/>
+            <a:ext cx="2966400" cy="451800"/>
           </a:xfrm>
           <a:prstGeom prst="rect">
             <a:avLst/>
@@ -5082,7 +5082,7 @@
               </a:lnSpc>
               <a:buNone/>
             </a:pPr>
-            <a:fld id="{57357739-68C8-4A32-8D92-78CE2558F668}" type="slidenum">
+            <a:fld id="{DF494198-DF3B-42FA-8908-AC105B438F8F}" type="slidenum">
               <a:rPr b="0" lang="en-US" sz="1200" spc="-1" strike="noStrike">
                 <a:solidFill>
                   <a:srgbClr val="000000"/>
@@ -5133,7 +5133,7 @@
         <p:spPr>
           <a:xfrm>
             <a:off x="380880" y="685800"/>
-            <a:ext cx="6090840" cy="3423960"/>
+            <a:ext cx="6090480" cy="3423600"/>
           </a:xfrm>
           <a:prstGeom prst="rect">
             <a:avLst/>
@@ -5156,7 +5156,7 @@
         <p:spPr>
           <a:xfrm>
             <a:off x="685800" y="4343400"/>
-            <a:ext cx="5481360" cy="4109760"/>
+            <a:ext cx="5481000" cy="4109400"/>
           </a:xfrm>
           <a:prstGeom prst="rect">
             <a:avLst/>
@@ -5190,7 +5190,7 @@
         <p:spPr>
           <a:xfrm>
             <a:off x="3884760" y="8685360"/>
-            <a:ext cx="2966760" cy="452160"/>
+            <a:ext cx="2966400" cy="451800"/>
           </a:xfrm>
           <a:prstGeom prst="rect">
             <a:avLst/>
@@ -5226,7 +5226,7 @@
               </a:lnSpc>
               <a:buNone/>
             </a:pPr>
-            <a:fld id="{6664D9CF-D13B-48E4-A1FB-00EA49DED60C}" type="slidenum">
+            <a:fld id="{527C5061-F1AA-4F52-B7F5-47E245789928}" type="slidenum">
               <a:rPr b="0" lang="en-US" sz="1200" spc="-1" strike="noStrike">
                 <a:solidFill>
                   <a:srgbClr val="000000"/>
@@ -5277,7 +5277,7 @@
         <p:spPr>
           <a:xfrm>
             <a:off x="380880" y="685800"/>
-            <a:ext cx="6090840" cy="3423960"/>
+            <a:ext cx="6090480" cy="3423600"/>
           </a:xfrm>
           <a:prstGeom prst="rect">
             <a:avLst/>
@@ -5300,7 +5300,7 @@
         <p:spPr>
           <a:xfrm>
             <a:off x="685800" y="4343400"/>
-            <a:ext cx="5481360" cy="4109760"/>
+            <a:ext cx="5481000" cy="4109400"/>
           </a:xfrm>
           <a:prstGeom prst="rect">
             <a:avLst/>
@@ -5334,7 +5334,7 @@
         <p:spPr>
           <a:xfrm>
             <a:off x="3884760" y="8685360"/>
-            <a:ext cx="2966760" cy="452160"/>
+            <a:ext cx="2966400" cy="451800"/>
           </a:xfrm>
           <a:prstGeom prst="rect">
             <a:avLst/>
@@ -5370,7 +5370,7 @@
               </a:lnSpc>
               <a:buNone/>
             </a:pPr>
-            <a:fld id="{F9BA3A0B-7E3D-4B1F-BA5A-C5AC9F5C41B2}" type="slidenum">
+            <a:fld id="{244B8E11-C078-41CA-8019-779599452E46}" type="slidenum">
               <a:rPr b="0" lang="en-US" sz="1200" spc="-1" strike="noStrike">
                 <a:solidFill>
                   <a:srgbClr val="000000"/>
@@ -5421,7 +5421,7 @@
         <p:spPr>
           <a:xfrm>
             <a:off x="380880" y="685800"/>
-            <a:ext cx="6090840" cy="3423960"/>
+            <a:ext cx="6090480" cy="3423600"/>
           </a:xfrm>
           <a:prstGeom prst="rect">
             <a:avLst/>
@@ -5444,7 +5444,7 @@
         <p:spPr>
           <a:xfrm>
             <a:off x="685800" y="4343400"/>
-            <a:ext cx="5481360" cy="4109760"/>
+            <a:ext cx="5481000" cy="4109400"/>
           </a:xfrm>
           <a:prstGeom prst="rect">
             <a:avLst/>
@@ -5478,7 +5478,7 @@
         <p:spPr>
           <a:xfrm>
             <a:off x="3884760" y="8685360"/>
-            <a:ext cx="2966760" cy="452160"/>
+            <a:ext cx="2966400" cy="451800"/>
           </a:xfrm>
           <a:prstGeom prst="rect">
             <a:avLst/>
@@ -5514,7 +5514,7 @@
               </a:lnSpc>
               <a:buNone/>
             </a:pPr>
-            <a:fld id="{A63D013A-FBFF-4146-ACA3-1539C6980612}" type="slidenum">
+            <a:fld id="{1E604571-8777-4255-80AB-436F9E7B9DF3}" type="slidenum">
               <a:rPr b="0" lang="en-US" sz="1200" spc="-1" strike="noStrike">
                 <a:solidFill>
                   <a:srgbClr val="000000"/>
@@ -5565,7 +5565,7 @@
         <p:spPr>
           <a:xfrm>
             <a:off x="380880" y="685800"/>
-            <a:ext cx="6090840" cy="3423960"/>
+            <a:ext cx="6090480" cy="3423600"/>
           </a:xfrm>
           <a:prstGeom prst="rect">
             <a:avLst/>
@@ -5588,7 +5588,7 @@
         <p:spPr>
           <a:xfrm>
             <a:off x="685800" y="4343400"/>
-            <a:ext cx="5481360" cy="4109760"/>
+            <a:ext cx="5481000" cy="4109400"/>
           </a:xfrm>
           <a:prstGeom prst="rect">
             <a:avLst/>
@@ -5622,7 +5622,7 @@
         <p:spPr>
           <a:xfrm>
             <a:off x="3884760" y="8685360"/>
-            <a:ext cx="2966760" cy="452160"/>
+            <a:ext cx="2966400" cy="451800"/>
           </a:xfrm>
           <a:prstGeom prst="rect">
             <a:avLst/>
@@ -5658,7 +5658,7 @@
               </a:lnSpc>
               <a:buNone/>
             </a:pPr>
-            <a:fld id="{2E5431E9-9C9A-4515-81F4-FA33D8C9FEB5}" type="slidenum">
+            <a:fld id="{DBF1E203-D392-43CE-B4BD-D8CC1F98CDE4}" type="slidenum">
               <a:rPr b="0" lang="en-US" sz="1200" spc="-1" strike="noStrike">
                 <a:solidFill>
                   <a:srgbClr val="000000"/>
@@ -5709,7 +5709,7 @@
         <p:spPr>
           <a:xfrm>
             <a:off x="380880" y="685800"/>
-            <a:ext cx="6090840" cy="3423960"/>
+            <a:ext cx="6090480" cy="3423600"/>
           </a:xfrm>
           <a:prstGeom prst="rect">
             <a:avLst/>
@@ -5732,7 +5732,7 @@
         <p:spPr>
           <a:xfrm>
             <a:off x="685800" y="4343400"/>
-            <a:ext cx="5481360" cy="4109760"/>
+            <a:ext cx="5481000" cy="4109400"/>
           </a:xfrm>
           <a:prstGeom prst="rect">
             <a:avLst/>
@@ -5766,7 +5766,7 @@
         <p:spPr>
           <a:xfrm>
             <a:off x="3884760" y="8685360"/>
-            <a:ext cx="2966760" cy="452160"/>
+            <a:ext cx="2966400" cy="451800"/>
           </a:xfrm>
           <a:prstGeom prst="rect">
             <a:avLst/>
@@ -5802,7 +5802,7 @@
               </a:lnSpc>
               <a:buNone/>
             </a:pPr>
-            <a:fld id="{37348860-18A4-4270-ABC9-1DAB660A7913}" type="slidenum">
+            <a:fld id="{CAE495E5-2481-46F6-9131-B5E36257B0C1}" type="slidenum">
               <a:rPr b="0" lang="en-US" sz="1200" spc="-1" strike="noStrike">
                 <a:solidFill>
                   <a:srgbClr val="000000"/>
@@ -5853,7 +5853,7 @@
         <p:spPr>
           <a:xfrm>
             <a:off x="380880" y="685800"/>
-            <a:ext cx="6090840" cy="3423960"/>
+            <a:ext cx="6090480" cy="3423600"/>
           </a:xfrm>
           <a:prstGeom prst="rect">
             <a:avLst/>
@@ -5876,7 +5876,7 @@
         <p:spPr>
           <a:xfrm>
             <a:off x="685800" y="4343400"/>
-            <a:ext cx="5481360" cy="4109760"/>
+            <a:ext cx="5481000" cy="4109400"/>
           </a:xfrm>
           <a:prstGeom prst="rect">
             <a:avLst/>
@@ -5910,7 +5910,7 @@
         <p:spPr>
           <a:xfrm>
             <a:off x="3884760" y="8685360"/>
-            <a:ext cx="2966760" cy="452160"/>
+            <a:ext cx="2966400" cy="451800"/>
           </a:xfrm>
           <a:prstGeom prst="rect">
             <a:avLst/>
@@ -5946,7 +5946,7 @@
               </a:lnSpc>
               <a:buNone/>
             </a:pPr>
-            <a:fld id="{DBDC2822-0150-495A-AC5C-E6D1E692BA0A}" type="slidenum">
+            <a:fld id="{540AA16B-F998-45CB-92BE-7C9459B1B166}" type="slidenum">
               <a:rPr b="0" lang="en-US" sz="1200" spc="-1" strike="noStrike">
                 <a:solidFill>
                   <a:srgbClr val="000000"/>
@@ -5997,7 +5997,7 @@
         <p:spPr>
           <a:xfrm>
             <a:off x="380880" y="685800"/>
-            <a:ext cx="6090840" cy="3423960"/>
+            <a:ext cx="6090480" cy="3423600"/>
           </a:xfrm>
           <a:prstGeom prst="rect">
             <a:avLst/>
@@ -6020,7 +6020,7 @@
         <p:spPr>
           <a:xfrm>
             <a:off x="685800" y="4343400"/>
-            <a:ext cx="5481360" cy="4109760"/>
+            <a:ext cx="5481000" cy="4109400"/>
           </a:xfrm>
           <a:prstGeom prst="rect">
             <a:avLst/>
@@ -6054,7 +6054,7 @@
         <p:spPr>
           <a:xfrm>
             <a:off x="3884760" y="8685360"/>
-            <a:ext cx="2966760" cy="452160"/>
+            <a:ext cx="2966400" cy="451800"/>
           </a:xfrm>
           <a:prstGeom prst="rect">
             <a:avLst/>
@@ -6090,7 +6090,7 @@
               </a:lnSpc>
               <a:buNone/>
             </a:pPr>
-            <a:fld id="{AE6FA373-62DE-4419-ADD4-AE6C07F017D0}" type="slidenum">
+            <a:fld id="{04D210EC-1362-43D0-AB22-CC4D29CE4712}" type="slidenum">
               <a:rPr b="0" lang="en-US" sz="1200" spc="-1" strike="noStrike">
                 <a:solidFill>
                   <a:srgbClr val="000000"/>
@@ -6141,7 +6141,7 @@
         <p:spPr>
           <a:xfrm>
             <a:off x="380880" y="685800"/>
-            <a:ext cx="6090840" cy="3423960"/>
+            <a:ext cx="6090480" cy="3423600"/>
           </a:xfrm>
           <a:prstGeom prst="rect">
             <a:avLst/>
@@ -6164,7 +6164,7 @@
         <p:spPr>
           <a:xfrm>
             <a:off x="685800" y="4343400"/>
-            <a:ext cx="5481360" cy="4109760"/>
+            <a:ext cx="5481000" cy="4109400"/>
           </a:xfrm>
           <a:prstGeom prst="rect">
             <a:avLst/>
@@ -6198,7 +6198,7 @@
         <p:spPr>
           <a:xfrm>
             <a:off x="3884760" y="8685360"/>
-            <a:ext cx="2966760" cy="452160"/>
+            <a:ext cx="2966400" cy="451800"/>
           </a:xfrm>
           <a:prstGeom prst="rect">
             <a:avLst/>
@@ -6234,7 +6234,7 @@
               </a:lnSpc>
               <a:buNone/>
             </a:pPr>
-            <a:fld id="{98A15015-6745-4553-8714-62C25939E0CC}" type="slidenum">
+            <a:fld id="{23C7357F-DFB2-418D-86DB-F28AABFAE238}" type="slidenum">
               <a:rPr b="0" lang="en-US" sz="1200" spc="-1" strike="noStrike">
                 <a:solidFill>
                   <a:srgbClr val="000000"/>
@@ -6285,7 +6285,7 @@
         <p:spPr>
           <a:xfrm>
             <a:off x="380880" y="685800"/>
-            <a:ext cx="6090840" cy="3423960"/>
+            <a:ext cx="6090480" cy="3423600"/>
           </a:xfrm>
           <a:prstGeom prst="rect">
             <a:avLst/>
@@ -6308,7 +6308,7 @@
         <p:spPr>
           <a:xfrm>
             <a:off x="685800" y="4343400"/>
-            <a:ext cx="5481360" cy="4109760"/>
+            <a:ext cx="5481000" cy="4109400"/>
           </a:xfrm>
           <a:prstGeom prst="rect">
             <a:avLst/>
@@ -6342,7 +6342,7 @@
         <p:spPr>
           <a:xfrm>
             <a:off x="3884760" y="8685360"/>
-            <a:ext cx="2966760" cy="452160"/>
+            <a:ext cx="2966400" cy="451800"/>
           </a:xfrm>
           <a:prstGeom prst="rect">
             <a:avLst/>
@@ -6378,7 +6378,7 @@
               </a:lnSpc>
               <a:buNone/>
             </a:pPr>
-            <a:fld id="{690B91B3-4F5E-48F9-A614-B2B8EF06D88D}" type="slidenum">
+            <a:fld id="{390117EA-B783-40F4-9AE7-B632CECFECC8}" type="slidenum">
               <a:rPr b="0" lang="en-US" sz="1200" spc="-1" strike="noStrike">
                 <a:solidFill>
                   <a:srgbClr val="000000"/>
@@ -6450,7 +6450,7 @@
         <p:txBody>
           <a:bodyPr/>
           <a:p>
-            <a:fld id="{D2BFB451-0716-446B-A4E0-EEAE202D8BA6}" type="slidenum">
+            <a:fld id="{A5D5F95B-6465-469B-821E-29E548D66BF9}" type="slidenum">
               <a:t>&lt;#&gt;</a:t>
             </a:fld>
           </a:p>
@@ -6638,7 +6638,7 @@
         <p:txBody>
           <a:bodyPr/>
           <a:p>
-            <a:fld id="{74A2C55F-1069-4830-9208-F5CA4CFC0B35}" type="slidenum">
+            <a:fld id="{DCC31BA3-0703-44D6-A175-B7E222CEB781}" type="slidenum">
               <a:t>&lt;#&gt;</a:t>
             </a:fld>
           </a:p>
@@ -6894,7 +6894,7 @@
         <p:txBody>
           <a:bodyPr/>
           <a:p>
-            <a:fld id="{32F5FCFB-9359-4CF9-89C2-D7834E18EEEA}" type="slidenum">
+            <a:fld id="{11AD1808-80AE-4A86-8D6E-93A0117BB649}" type="slidenum">
               <a:t>&lt;#&gt;</a:t>
             </a:fld>
           </a:p>
@@ -7218,7 +7218,7 @@
         <p:txBody>
           <a:bodyPr/>
           <a:p>
-            <a:fld id="{5F9085BF-B836-45BD-A0DF-27BCAD77BCB6}" type="slidenum">
+            <a:fld id="{36B1584B-1A3F-4766-9C89-4CA5A57E3B5D}" type="slidenum">
               <a:t>&lt;#&gt;</a:t>
             </a:fld>
           </a:p>
@@ -7375,7 +7375,7 @@
         <p:txBody>
           <a:bodyPr/>
           <a:p>
-            <a:fld id="{3F4BD071-1834-4890-83E2-936720786FA5}" type="slidenum">
+            <a:fld id="{F038BC8F-9397-4899-A6A4-320B41D1875C}" type="slidenum">
               <a:t>&lt;#&gt;</a:t>
             </a:fld>
           </a:p>
@@ -7529,7 +7529,7 @@
         <p:txBody>
           <a:bodyPr/>
           <a:p>
-            <a:fld id="{83623C5F-8421-4DC9-8E51-C083E479A153}" type="slidenum">
+            <a:fld id="{8A91DCDF-437D-4557-A013-C9686F3CF10B}" type="slidenum">
               <a:t>&lt;#&gt;</a:t>
             </a:fld>
           </a:p>
@@ -7717,7 +7717,7 @@
         <p:txBody>
           <a:bodyPr/>
           <a:p>
-            <a:fld id="{8D309968-AD19-403C-B540-8F210430FF35}" type="slidenum">
+            <a:fld id="{CCA651DD-ACDA-4454-912A-46FBA0043F85}" type="slidenum">
               <a:t>&lt;#&gt;</a:t>
             </a:fld>
           </a:p>
@@ -7837,7 +7837,7 @@
         <p:txBody>
           <a:bodyPr/>
           <a:p>
-            <a:fld id="{F28FC21F-794B-4244-BFCE-3619DBFBE621}" type="slidenum">
+            <a:fld id="{FC1E5926-0631-419D-9B12-AD6079AB8D74}" type="slidenum">
               <a:t>&lt;#&gt;</a:t>
             </a:fld>
           </a:p>
@@ -7957,7 +7957,7 @@
         <p:txBody>
           <a:bodyPr/>
           <a:p>
-            <a:fld id="{3E4E50C8-FEEF-42C2-882B-EE74AD95E4ED}" type="slidenum">
+            <a:fld id="{AF34709A-6B00-41A9-AA61-BD5F4C44DE0D}" type="slidenum">
               <a:t>&lt;#&gt;</a:t>
             </a:fld>
           </a:p>
@@ -8179,7 +8179,7 @@
         <p:txBody>
           <a:bodyPr/>
           <a:p>
-            <a:fld id="{A575DACA-758E-41F2-B4AC-61044C54656D}" type="slidenum">
+            <a:fld id="{8ACBF010-DF8B-4184-B628-DF306809743D}" type="slidenum">
               <a:t>&lt;#&gt;</a:t>
             </a:fld>
           </a:p>
@@ -8401,7 +8401,7 @@
         <p:txBody>
           <a:bodyPr/>
           <a:p>
-            <a:fld id="{9A89F432-B5A2-4FB3-9EF5-DCCCE6E0A273}" type="slidenum">
+            <a:fld id="{9CE1A3F2-04D8-4F6D-B04A-2553140BE744}" type="slidenum">
               <a:t>&lt;#&gt;</a:t>
             </a:fld>
           </a:p>
@@ -8623,7 +8623,7 @@
         <p:txBody>
           <a:bodyPr/>
           <a:p>
-            <a:fld id="{348E4B4C-4008-48E0-B236-12AACA8891F1}" type="slidenum">
+            <a:fld id="{8841BD97-7388-46A0-91D5-5E34FAFBF426}" type="slidenum">
               <a:t>&lt;#&gt;</a:t>
             </a:fld>
           </a:p>
@@ -8692,7 +8692,7 @@
         <p:spPr>
           <a:xfrm>
             <a:off x="3028680" y="4771440"/>
-            <a:ext cx="3081600" cy="269640"/>
+            <a:ext cx="3081240" cy="269280"/>
           </a:xfrm>
           <a:prstGeom prst="rect">
             <a:avLst/>
@@ -8736,7 +8736,7 @@
                 <a:latin typeface="Times New Roman"/>
                 <a:ea typeface="DejaVu Sans"/>
               </a:rPr>
-              <a:t> </a:t>
+              <a:t>&lt;footer&gt;</a:t>
             </a:r>
             <a:endParaRPr b="0" lang="en-US" sz="1400" spc="-1" strike="noStrike">
               <a:latin typeface="Times New Roman"/>
@@ -8757,7 +8757,7 @@
         <p:spPr>
           <a:xfrm>
             <a:off x="6457680" y="4771440"/>
-            <a:ext cx="2053080" cy="269640"/>
+            <a:ext cx="2052720" cy="269280"/>
           </a:xfrm>
           <a:prstGeom prst="rect">
             <a:avLst/>
@@ -8793,7 +8793,7 @@
               </a:lnSpc>
               <a:buNone/>
             </a:pPr>
-            <a:fld id="{1A5C5E7F-FF46-4049-8AFA-57EB23C4721A}" type="slidenum">
+            <a:fld id="{13324FAD-F566-4BDF-9B32-49EA4139B08B}" type="slidenum">
               <a:rPr b="0" lang="en-US" sz="1200" spc="-1" strike="noStrike">
                 <a:solidFill>
                   <a:srgbClr val="8b8b8b"/>
@@ -8801,7 +8801,7 @@
                 <a:latin typeface="Calibri"/>
                 <a:ea typeface="DejaVu Sans"/>
               </a:rPr>
-              <a:t>41</a:t>
+              <a:t>&lt;number&gt;</a:t>
             </a:fld>
             <a:endParaRPr b="0" lang="en-US" sz="1200" spc="-1" strike="noStrike">
               <a:latin typeface="Times New Roman"/>
@@ -8822,7 +8822,7 @@
         <p:spPr>
           <a:xfrm>
             <a:off x="628200" y="4771440"/>
-            <a:ext cx="2053080" cy="269640"/>
+            <a:ext cx="2052720" cy="269280"/>
           </a:xfrm>
           <a:prstGeom prst="rect">
             <a:avLst/>
@@ -8848,7 +8848,7 @@
               <a:rPr b="0" lang="en-US" sz="1400" spc="-1" strike="noStrike">
                 <a:latin typeface="Times New Roman"/>
               </a:rPr>
-              <a:t> </a:t>
+              <a:t>&lt;date/time&gt;</a:t>
             </a:r>
             <a:endParaRPr b="0" lang="en-US" sz="1400" spc="-1" strike="noStrike">
               <a:latin typeface="Times New Roman"/>
@@ -9134,8 +9134,8 @@
         </p:nvSpPr>
         <p:spPr>
           <a:xfrm rot="2744400">
-            <a:off x="-280080" y="-25560"/>
-            <a:ext cx="703800" cy="703440"/>
+            <a:off x="-279720" y="-25560"/>
+            <a:ext cx="703440" cy="703080"/>
           </a:xfrm>
           <a:prstGeom prst="roundRect">
             <a:avLst>
@@ -9172,8 +9172,8 @@
         </p:nvSpPr>
         <p:spPr>
           <a:xfrm rot="2625600">
-            <a:off x="6024960" y="4332600"/>
-            <a:ext cx="467640" cy="467640"/>
+            <a:off x="6024960" y="4332240"/>
+            <a:ext cx="467280" cy="467280"/>
           </a:xfrm>
           <a:prstGeom prst="roundRect">
             <a:avLst>
@@ -9210,8 +9210,8 @@
         </p:nvSpPr>
         <p:spPr>
           <a:xfrm rot="18679200">
-            <a:off x="7003440" y="948600"/>
-            <a:ext cx="4939200" cy="4665600"/>
+            <a:off x="7003080" y="948600"/>
+            <a:ext cx="4938840" cy="4665240"/>
           </a:xfrm>
           <a:prstGeom prst="roundRect">
             <a:avLst>
@@ -9249,7 +9249,7 @@
         <p:spPr>
           <a:xfrm>
             <a:off x="459720" y="4671360"/>
-            <a:ext cx="2994840" cy="265680"/>
+            <a:ext cx="2994480" cy="265320"/>
           </a:xfrm>
           <a:prstGeom prst="rect">
             <a:avLst/>
@@ -9314,8 +9314,8 @@
         </p:blipFill>
         <p:spPr>
           <a:xfrm>
-            <a:off x="2423160" y="4671720"/>
-            <a:ext cx="287280" cy="287280"/>
+            <a:off x="3035160" y="4743720"/>
+            <a:ext cx="286920" cy="286920"/>
           </a:xfrm>
           <a:prstGeom prst="rect">
             <a:avLst/>
@@ -9334,7 +9334,7 @@
         <p:spPr>
           <a:xfrm>
             <a:off x="484920" y="1681560"/>
-            <a:ext cx="5480280" cy="1881720"/>
+            <a:ext cx="5479920" cy="1881360"/>
           </a:xfrm>
           <a:prstGeom prst="rect">
             <a:avLst/>
@@ -9422,8 +9422,8 @@
         </p:nvSpPr>
         <p:spPr>
           <a:xfrm rot="2744400">
-            <a:off x="-280080" y="-25560"/>
-            <a:ext cx="703800" cy="703440"/>
+            <a:off x="-279720" y="-25560"/>
+            <a:ext cx="703440" cy="703080"/>
           </a:xfrm>
           <a:prstGeom prst="roundRect">
             <a:avLst>
@@ -9461,7 +9461,7 @@
         <p:spPr>
           <a:xfrm rot="2332200">
             <a:off x="6009120" y="-319680"/>
-            <a:ext cx="4854960" cy="7725960"/>
+            <a:ext cx="4854600" cy="7725600"/>
           </a:xfrm>
           <a:prstGeom prst="roundRect">
             <a:avLst>
@@ -9499,9 +9499,9 @@
         <p:grpSpPr>
           <a:xfrm>
             <a:off x="4571640" y="828000"/>
-            <a:ext cx="4467600" cy="3563640"/>
+            <a:ext cx="4467240" cy="3563280"/>
             <a:chOff x="4571640" y="828000"/>
-            <a:chExt cx="4467600" cy="3563640"/>
+            <a:chExt cx="4467240" cy="3563280"/>
           </a:xfrm>
         </p:grpSpPr>
         <p:pic>
@@ -9517,7 +9517,7 @@
           <p:spPr>
             <a:xfrm>
               <a:off x="4571640" y="828000"/>
-              <a:ext cx="4467600" cy="3563640"/>
+              <a:ext cx="4467240" cy="3563280"/>
             </a:xfrm>
             <a:prstGeom prst="rect">
               <a:avLst/>
@@ -9535,8 +9535,8 @@
           </p:nvSpPr>
           <p:spPr>
             <a:xfrm rot="16200000">
-              <a:off x="5962680" y="1159560"/>
-              <a:ext cx="1736640" cy="2770560"/>
+              <a:off x="5962680" y="1159920"/>
+              <a:ext cx="1736280" cy="2770200"/>
             </a:xfrm>
             <a:prstGeom prst="roundRect">
               <a:avLst>
@@ -9603,7 +9603,7 @@
         <p:spPr>
           <a:xfrm>
             <a:off x="5446080" y="1672200"/>
-            <a:ext cx="2770200" cy="1736640"/>
+            <a:ext cx="2769840" cy="1736280"/>
           </a:xfrm>
           <a:prstGeom prst="rect">
             <a:avLst/>
@@ -9655,7 +9655,7 @@
         <p:spPr>
           <a:xfrm>
             <a:off x="586440" y="1246680"/>
-            <a:ext cx="4003560" cy="3599280"/>
+            <a:ext cx="4003200" cy="3598920"/>
           </a:xfrm>
           <a:prstGeom prst="rect">
             <a:avLst/>
@@ -9707,7 +9707,7 @@
         <p:spPr>
           <a:xfrm>
             <a:off x="586440" y="453960"/>
-            <a:ext cx="4763520" cy="854640"/>
+            <a:ext cx="4763160" cy="854280"/>
           </a:xfrm>
           <a:prstGeom prst="rect">
             <a:avLst/>
@@ -9795,8 +9795,8 @@
         </p:nvSpPr>
         <p:spPr>
           <a:xfrm rot="2745600">
-            <a:off x="8349840" y="-668160"/>
-            <a:ext cx="1497600" cy="1497600"/>
+            <a:off x="8349840" y="-667800"/>
+            <a:ext cx="1497240" cy="1497240"/>
           </a:xfrm>
           <a:prstGeom prst="roundRect">
             <a:avLst>
@@ -9834,7 +9834,7 @@
         <p:spPr>
           <a:xfrm rot="2745600">
             <a:off x="7634160" y="-322200"/>
-            <a:ext cx="806400" cy="806760"/>
+            <a:ext cx="806040" cy="806400"/>
           </a:xfrm>
           <a:prstGeom prst="roundRect">
             <a:avLst>
@@ -9873,7 +9873,7 @@
         <p:spPr>
           <a:xfrm>
             <a:off x="586440" y="899640"/>
-            <a:ext cx="7931160" cy="1536480"/>
+            <a:ext cx="7930800" cy="1536120"/>
           </a:xfrm>
           <a:prstGeom prst="rect">
             <a:avLst/>
@@ -9925,7 +9925,7 @@
         <p:spPr>
           <a:xfrm>
             <a:off x="608040" y="2545560"/>
-            <a:ext cx="3711600" cy="2255040"/>
+            <a:ext cx="3711240" cy="2254680"/>
           </a:xfrm>
           <a:prstGeom prst="rect">
             <a:avLst/>
@@ -9977,7 +9977,7 @@
         <p:spPr>
           <a:xfrm>
             <a:off x="4806360" y="2545560"/>
-            <a:ext cx="3711600" cy="2255040"/>
+            <a:ext cx="3711240" cy="2254680"/>
           </a:xfrm>
           <a:prstGeom prst="rect">
             <a:avLst/>
@@ -10029,7 +10029,7 @@
         <p:spPr>
           <a:xfrm>
             <a:off x="583200" y="450720"/>
-            <a:ext cx="7197480" cy="511560"/>
+            <a:ext cx="7197120" cy="511200"/>
           </a:xfrm>
           <a:prstGeom prst="rect">
             <a:avLst/>
@@ -10111,7 +10111,7 @@
         <p:spPr>
           <a:xfrm>
             <a:off x="586440" y="1246680"/>
-            <a:ext cx="4003560" cy="3599280"/>
+            <a:ext cx="4003200" cy="3598920"/>
           </a:xfrm>
           <a:prstGeom prst="rect">
             <a:avLst/>
@@ -10163,7 +10163,7 @@
         <p:spPr>
           <a:xfrm>
             <a:off x="559800" y="446040"/>
-            <a:ext cx="4282920" cy="682920"/>
+            <a:ext cx="4282560" cy="682560"/>
           </a:xfrm>
           <a:prstGeom prst="rect">
             <a:avLst/>
@@ -10215,7 +10215,7 @@
         <p:spPr>
           <a:xfrm>
             <a:off x="5097600" y="360"/>
-            <a:ext cx="4379040" cy="5143320"/>
+            <a:ext cx="4378680" cy="5142960"/>
           </a:xfrm>
           <a:prstGeom prst="roundRect">
             <a:avLst>
@@ -10280,8 +10280,8 @@
         </p:nvSpPr>
         <p:spPr>
           <a:xfrm rot="2744400">
-            <a:off x="-280080" y="-25560"/>
-            <a:ext cx="703800" cy="703440"/>
+            <a:off x="-279720" y="-25560"/>
+            <a:ext cx="703440" cy="703080"/>
           </a:xfrm>
           <a:prstGeom prst="roundRect">
             <a:avLst>
@@ -10318,8 +10318,8 @@
         </p:nvSpPr>
         <p:spPr>
           <a:xfrm rot="2625600">
-            <a:off x="4861080" y="4146480"/>
-            <a:ext cx="467640" cy="467640"/>
+            <a:off x="4861080" y="4146120"/>
+            <a:ext cx="467280" cy="467280"/>
           </a:xfrm>
           <a:prstGeom prst="roundRect">
             <a:avLst>
@@ -10393,8 +10393,8 @@
         </p:nvSpPr>
         <p:spPr>
           <a:xfrm rot="2744400">
-            <a:off x="-349200" y="4539600"/>
-            <a:ext cx="703800" cy="703440"/>
+            <a:off x="-348840" y="4539240"/>
+            <a:ext cx="703440" cy="703080"/>
           </a:xfrm>
           <a:prstGeom prst="roundRect">
             <a:avLst>
@@ -10431,8 +10431,8 @@
         </p:nvSpPr>
         <p:spPr>
           <a:xfrm rot="19228200">
-            <a:off x="5845680" y="-2265840"/>
-            <a:ext cx="4854600" cy="7725600"/>
+            <a:off x="5845680" y="-2265480"/>
+            <a:ext cx="4854240" cy="7725240"/>
           </a:xfrm>
           <a:prstGeom prst="roundRect">
             <a:avLst>
@@ -10470,9 +10470,9 @@
         <p:grpSpPr>
           <a:xfrm>
             <a:off x="4571640" y="828000"/>
-            <a:ext cx="4467600" cy="3563640"/>
+            <a:ext cx="4467240" cy="3563280"/>
             <a:chOff x="4571640" y="828000"/>
-            <a:chExt cx="4467600" cy="3563640"/>
+            <a:chExt cx="4467240" cy="3563280"/>
           </a:xfrm>
         </p:grpSpPr>
         <p:pic>
@@ -10488,7 +10488,7 @@
           <p:spPr>
             <a:xfrm>
               <a:off x="4571640" y="828000"/>
-              <a:ext cx="4467600" cy="3563640"/>
+              <a:ext cx="4467240" cy="3563280"/>
             </a:xfrm>
             <a:prstGeom prst="rect">
               <a:avLst/>
@@ -10506,8 +10506,8 @@
           </p:nvSpPr>
           <p:spPr>
             <a:xfrm rot="16200000">
-              <a:off x="5962680" y="1159560"/>
-              <a:ext cx="1736640" cy="2770560"/>
+              <a:off x="5962680" y="1159920"/>
+              <a:ext cx="1736280" cy="2770200"/>
             </a:xfrm>
             <a:prstGeom prst="roundRect">
               <a:avLst>
@@ -10574,7 +10574,7 @@
         <p:spPr>
           <a:xfrm>
             <a:off x="586440" y="1246680"/>
-            <a:ext cx="4003560" cy="3599280"/>
+            <a:ext cx="4003200" cy="3598920"/>
           </a:xfrm>
           <a:prstGeom prst="rect">
             <a:avLst/>
@@ -10626,7 +10626,7 @@
         <p:spPr>
           <a:xfrm>
             <a:off x="5446080" y="1672200"/>
-            <a:ext cx="2779560" cy="1736640"/>
+            <a:ext cx="2779200" cy="1736280"/>
           </a:xfrm>
           <a:prstGeom prst="rect">
             <a:avLst/>
@@ -10678,7 +10678,7 @@
         <p:spPr>
           <a:xfrm>
             <a:off x="586440" y="453960"/>
-            <a:ext cx="3696120" cy="854640"/>
+            <a:ext cx="3695760" cy="854280"/>
           </a:xfrm>
           <a:prstGeom prst="rect">
             <a:avLst/>
@@ -10767,7 +10767,7 @@
         <p:spPr>
           <a:xfrm>
             <a:off x="4222080" y="1246680"/>
-            <a:ext cx="4114440" cy="3599280"/>
+            <a:ext cx="4114080" cy="3598920"/>
           </a:xfrm>
           <a:prstGeom prst="rect">
             <a:avLst/>
@@ -10818,8 +10818,8 @@
         </p:nvSpPr>
         <p:spPr>
           <a:xfrm rot="16200000">
-            <a:off x="-2181600" y="1734120"/>
-            <a:ext cx="5143320" cy="1683360"/>
+            <a:off x="-2181600" y="1734480"/>
+            <a:ext cx="5142960" cy="1683000"/>
           </a:xfrm>
           <a:prstGeom prst="roundRect">
             <a:avLst>
@@ -10856,8 +10856,8 @@
         </p:nvSpPr>
         <p:spPr>
           <a:xfrm rot="2745000">
-            <a:off x="8575200" y="103320"/>
-            <a:ext cx="1131840" cy="1131480"/>
+            <a:off x="8575200" y="102960"/>
+            <a:ext cx="1131480" cy="1131120"/>
           </a:xfrm>
           <a:prstGeom prst="roundRect">
             <a:avLst>
@@ -10894,8 +10894,8 @@
         </p:nvSpPr>
         <p:spPr>
           <a:xfrm rot="16200000">
-            <a:off x="614880" y="919440"/>
-            <a:ext cx="3231360" cy="3313080"/>
+            <a:off x="614880" y="919800"/>
+            <a:ext cx="3231000" cy="3312720"/>
           </a:xfrm>
           <a:prstGeom prst="roundRect">
             <a:avLst>
@@ -10961,7 +10961,7 @@
         <p:spPr>
           <a:xfrm>
             <a:off x="4214160" y="456120"/>
-            <a:ext cx="4111200" cy="854640"/>
+            <a:ext cx="4110840" cy="854280"/>
           </a:xfrm>
           <a:prstGeom prst="rect">
             <a:avLst/>
@@ -11049,8 +11049,8 @@
         </p:nvSpPr>
         <p:spPr>
           <a:xfrm rot="2744400">
-            <a:off x="-280080" y="-25560"/>
-            <a:ext cx="703800" cy="703440"/>
+            <a:off x="-279720" y="-25560"/>
+            <a:ext cx="703440" cy="703080"/>
           </a:xfrm>
           <a:prstGeom prst="roundRect">
             <a:avLst>
@@ -11088,7 +11088,7 @@
         <p:spPr>
           <a:xfrm rot="2332200">
             <a:off x="6009120" y="-319680"/>
-            <a:ext cx="4854960" cy="7725960"/>
+            <a:ext cx="4854600" cy="7725600"/>
           </a:xfrm>
           <a:prstGeom prst="roundRect">
             <a:avLst>
@@ -11126,9 +11126,9 @@
         <p:grpSpPr>
           <a:xfrm>
             <a:off x="4571640" y="828000"/>
-            <a:ext cx="4467600" cy="3563640"/>
+            <a:ext cx="4467240" cy="3563280"/>
             <a:chOff x="4571640" y="828000"/>
-            <a:chExt cx="4467600" cy="3563640"/>
+            <a:chExt cx="4467240" cy="3563280"/>
           </a:xfrm>
         </p:grpSpPr>
         <p:pic>
@@ -11144,7 +11144,7 @@
           <p:spPr>
             <a:xfrm>
               <a:off x="4571640" y="828000"/>
-              <a:ext cx="4467600" cy="3563640"/>
+              <a:ext cx="4467240" cy="3563280"/>
             </a:xfrm>
             <a:prstGeom prst="rect">
               <a:avLst/>
@@ -11162,8 +11162,8 @@
           </p:nvSpPr>
           <p:spPr>
             <a:xfrm rot="16200000">
-              <a:off x="5962680" y="1159560"/>
-              <a:ext cx="1736640" cy="2770560"/>
+              <a:off x="5962680" y="1159920"/>
+              <a:ext cx="1736280" cy="2770200"/>
             </a:xfrm>
             <a:prstGeom prst="roundRect">
               <a:avLst>
@@ -11230,7 +11230,7 @@
         <p:spPr>
           <a:xfrm>
             <a:off x="5446080" y="1672200"/>
-            <a:ext cx="2770200" cy="1736640"/>
+            <a:ext cx="2769840" cy="1736280"/>
           </a:xfrm>
           <a:prstGeom prst="rect">
             <a:avLst/>
@@ -11282,7 +11282,7 @@
         <p:spPr>
           <a:xfrm>
             <a:off x="586440" y="1246680"/>
-            <a:ext cx="4003560" cy="3599280"/>
+            <a:ext cx="4003200" cy="3598920"/>
           </a:xfrm>
           <a:prstGeom prst="rect">
             <a:avLst/>
@@ -11334,7 +11334,7 @@
         <p:spPr>
           <a:xfrm>
             <a:off x="586440" y="453960"/>
-            <a:ext cx="4763520" cy="854640"/>
+            <a:ext cx="4763160" cy="854280"/>
           </a:xfrm>
           <a:prstGeom prst="rect">
             <a:avLst/>
@@ -11422,8 +11422,8 @@
         </p:nvSpPr>
         <p:spPr>
           <a:xfrm rot="2745600">
-            <a:off x="8349840" y="-668160"/>
-            <a:ext cx="1497600" cy="1497600"/>
+            <a:off x="8349840" y="-667800"/>
+            <a:ext cx="1497240" cy="1497240"/>
           </a:xfrm>
           <a:prstGeom prst="roundRect">
             <a:avLst>
@@ -11461,7 +11461,7 @@
         <p:spPr>
           <a:xfrm rot="2745600">
             <a:off x="7634160" y="-322200"/>
-            <a:ext cx="806400" cy="806760"/>
+            <a:ext cx="806040" cy="806400"/>
           </a:xfrm>
           <a:prstGeom prst="roundRect">
             <a:avLst>
@@ -11500,7 +11500,7 @@
         <p:spPr>
           <a:xfrm>
             <a:off x="586440" y="899640"/>
-            <a:ext cx="7931160" cy="1536480"/>
+            <a:ext cx="7930800" cy="1536120"/>
           </a:xfrm>
           <a:prstGeom prst="rect">
             <a:avLst/>
@@ -11552,7 +11552,7 @@
         <p:spPr>
           <a:xfrm>
             <a:off x="608040" y="2545560"/>
-            <a:ext cx="3711600" cy="2255040"/>
+            <a:ext cx="3711240" cy="2254680"/>
           </a:xfrm>
           <a:prstGeom prst="rect">
             <a:avLst/>
@@ -11604,7 +11604,7 @@
         <p:spPr>
           <a:xfrm>
             <a:off x="4806360" y="2545560"/>
-            <a:ext cx="3711600" cy="2255040"/>
+            <a:ext cx="3711240" cy="2254680"/>
           </a:xfrm>
           <a:prstGeom prst="rect">
             <a:avLst/>
@@ -11656,7 +11656,7 @@
         <p:spPr>
           <a:xfrm>
             <a:off x="583200" y="450720"/>
-            <a:ext cx="7197480" cy="511560"/>
+            <a:ext cx="7197120" cy="511200"/>
           </a:xfrm>
           <a:prstGeom prst="rect">
             <a:avLst/>
@@ -11738,7 +11738,7 @@
         <p:spPr>
           <a:xfrm>
             <a:off x="586440" y="1246680"/>
-            <a:ext cx="4003560" cy="3599280"/>
+            <a:ext cx="4003200" cy="3598920"/>
           </a:xfrm>
           <a:prstGeom prst="rect">
             <a:avLst/>
@@ -11790,7 +11790,7 @@
         <p:spPr>
           <a:xfrm>
             <a:off x="559800" y="446040"/>
-            <a:ext cx="4282920" cy="682920"/>
+            <a:ext cx="4282560" cy="682560"/>
           </a:xfrm>
           <a:prstGeom prst="rect">
             <a:avLst/>
@@ -11842,7 +11842,7 @@
         <p:spPr>
           <a:xfrm>
             <a:off x="5097600" y="360"/>
-            <a:ext cx="4379040" cy="5143320"/>
+            <a:ext cx="4378680" cy="5142960"/>
           </a:xfrm>
           <a:prstGeom prst="roundRect">
             <a:avLst>
@@ -11907,8 +11907,8 @@
         </p:nvSpPr>
         <p:spPr>
           <a:xfrm rot="2744400">
-            <a:off x="-280080" y="-25560"/>
-            <a:ext cx="703800" cy="703440"/>
+            <a:off x="-279720" y="-25560"/>
+            <a:ext cx="703440" cy="703080"/>
           </a:xfrm>
           <a:prstGeom prst="roundRect">
             <a:avLst>
@@ -11945,8 +11945,8 @@
         </p:nvSpPr>
         <p:spPr>
           <a:xfrm rot="2625600">
-            <a:off x="4861080" y="4146480"/>
-            <a:ext cx="467640" cy="467640"/>
+            <a:off x="4861080" y="4146120"/>
+            <a:ext cx="467280" cy="467280"/>
           </a:xfrm>
           <a:prstGeom prst="roundRect">
             <a:avLst>
@@ -12020,8 +12020,8 @@
         </p:nvSpPr>
         <p:spPr>
           <a:xfrm rot="2744400">
-            <a:off x="-349200" y="4539600"/>
-            <a:ext cx="703800" cy="703440"/>
+            <a:off x="-348840" y="4539240"/>
+            <a:ext cx="703440" cy="703080"/>
           </a:xfrm>
           <a:prstGeom prst="roundRect">
             <a:avLst>
@@ -12058,8 +12058,8 @@
         </p:nvSpPr>
         <p:spPr>
           <a:xfrm rot="19228200">
-            <a:off x="5845680" y="-2265840"/>
-            <a:ext cx="4854600" cy="7725600"/>
+            <a:off x="5845680" y="-2265480"/>
+            <a:ext cx="4854240" cy="7725240"/>
           </a:xfrm>
           <a:prstGeom prst="roundRect">
             <a:avLst>
@@ -12097,9 +12097,9 @@
         <p:grpSpPr>
           <a:xfrm>
             <a:off x="4571640" y="828000"/>
-            <a:ext cx="4467600" cy="3563640"/>
+            <a:ext cx="4467240" cy="3563280"/>
             <a:chOff x="4571640" y="828000"/>
-            <a:chExt cx="4467600" cy="3563640"/>
+            <a:chExt cx="4467240" cy="3563280"/>
           </a:xfrm>
         </p:grpSpPr>
         <p:pic>
@@ -12115,7 +12115,7 @@
           <p:spPr>
             <a:xfrm>
               <a:off x="4571640" y="828000"/>
-              <a:ext cx="4467600" cy="3563640"/>
+              <a:ext cx="4467240" cy="3563280"/>
             </a:xfrm>
             <a:prstGeom prst="rect">
               <a:avLst/>
@@ -12133,8 +12133,8 @@
           </p:nvSpPr>
           <p:spPr>
             <a:xfrm rot="16200000">
-              <a:off x="5962680" y="1159560"/>
-              <a:ext cx="1736640" cy="2770560"/>
+              <a:off x="5962680" y="1159920"/>
+              <a:ext cx="1736280" cy="2770200"/>
             </a:xfrm>
             <a:prstGeom prst="roundRect">
               <a:avLst>
@@ -12201,7 +12201,7 @@
         <p:spPr>
           <a:xfrm>
             <a:off x="586440" y="1246680"/>
-            <a:ext cx="4003560" cy="3599280"/>
+            <a:ext cx="4003200" cy="3598920"/>
           </a:xfrm>
           <a:prstGeom prst="rect">
             <a:avLst/>
@@ -12253,7 +12253,7 @@
         <p:spPr>
           <a:xfrm>
             <a:off x="5446080" y="1672200"/>
-            <a:ext cx="2779560" cy="1736640"/>
+            <a:ext cx="2779200" cy="1736280"/>
           </a:xfrm>
           <a:prstGeom prst="rect">
             <a:avLst/>
@@ -12305,7 +12305,7 @@
         <p:spPr>
           <a:xfrm>
             <a:off x="586440" y="453960"/>
-            <a:ext cx="3696120" cy="854640"/>
+            <a:ext cx="3695760" cy="854280"/>
           </a:xfrm>
           <a:prstGeom prst="rect">
             <a:avLst/>
@@ -12394,7 +12394,7 @@
         <p:spPr>
           <a:xfrm>
             <a:off x="4222080" y="1246680"/>
-            <a:ext cx="4114440" cy="3599280"/>
+            <a:ext cx="4114080" cy="3598920"/>
           </a:xfrm>
           <a:prstGeom prst="rect">
             <a:avLst/>
@@ -12445,8 +12445,8 @@
         </p:nvSpPr>
         <p:spPr>
           <a:xfrm rot="16200000">
-            <a:off x="-2181600" y="1734120"/>
-            <a:ext cx="5143320" cy="1683360"/>
+            <a:off x="-2181600" y="1734480"/>
+            <a:ext cx="5142960" cy="1683000"/>
           </a:xfrm>
           <a:prstGeom prst="roundRect">
             <a:avLst>
@@ -12483,8 +12483,8 @@
         </p:nvSpPr>
         <p:spPr>
           <a:xfrm rot="2745000">
-            <a:off x="8575200" y="103320"/>
-            <a:ext cx="1131840" cy="1131480"/>
+            <a:off x="8575200" y="102960"/>
+            <a:ext cx="1131480" cy="1131120"/>
           </a:xfrm>
           <a:prstGeom prst="roundRect">
             <a:avLst>
@@ -12521,8 +12521,8 @@
         </p:nvSpPr>
         <p:spPr>
           <a:xfrm rot="16200000">
-            <a:off x="614880" y="919440"/>
-            <a:ext cx="3231360" cy="3313080"/>
+            <a:off x="614880" y="919800"/>
+            <a:ext cx="3231000" cy="3312720"/>
           </a:xfrm>
           <a:prstGeom prst="roundRect">
             <a:avLst>
@@ -12588,7 +12588,7 @@
         <p:spPr>
           <a:xfrm>
             <a:off x="4214160" y="456120"/>
-            <a:ext cx="4111200" cy="854640"/>
+            <a:ext cx="4110840" cy="854280"/>
           </a:xfrm>
           <a:prstGeom prst="rect">
             <a:avLst/>
@@ -12670,7 +12670,7 @@
         <p:spPr>
           <a:xfrm>
             <a:off x="586440" y="1246680"/>
-            <a:ext cx="4003560" cy="3599280"/>
+            <a:ext cx="4003200" cy="3598920"/>
           </a:xfrm>
           <a:prstGeom prst="rect">
             <a:avLst/>
@@ -12722,7 +12722,7 @@
         <p:spPr>
           <a:xfrm>
             <a:off x="559800" y="446040"/>
-            <a:ext cx="4282920" cy="682920"/>
+            <a:ext cx="4282560" cy="682560"/>
           </a:xfrm>
           <a:prstGeom prst="rect">
             <a:avLst/>
@@ -12774,7 +12774,7 @@
         <p:spPr>
           <a:xfrm>
             <a:off x="5097600" y="360"/>
-            <a:ext cx="4379040" cy="5143320"/>
+            <a:ext cx="4378680" cy="5142960"/>
           </a:xfrm>
           <a:prstGeom prst="roundRect">
             <a:avLst>
@@ -12839,8 +12839,8 @@
         </p:nvSpPr>
         <p:spPr>
           <a:xfrm rot="2744400">
-            <a:off x="-280080" y="-25560"/>
-            <a:ext cx="703800" cy="703440"/>
+            <a:off x="-279720" y="-25560"/>
+            <a:ext cx="703440" cy="703080"/>
           </a:xfrm>
           <a:prstGeom prst="roundRect">
             <a:avLst>
@@ -12877,8 +12877,8 @@
         </p:nvSpPr>
         <p:spPr>
           <a:xfrm rot="2625600">
-            <a:off x="4861080" y="4146480"/>
-            <a:ext cx="467640" cy="467640"/>
+            <a:off x="4861080" y="4146120"/>
+            <a:ext cx="467280" cy="467280"/>
           </a:xfrm>
           <a:prstGeom prst="roundRect">
             <a:avLst>
@@ -12952,8 +12952,8 @@
         </p:nvSpPr>
         <p:spPr>
           <a:xfrm rot="2744400">
-            <a:off x="-280080" y="-25560"/>
-            <a:ext cx="703800" cy="703440"/>
+            <a:off x="-279720" y="-25560"/>
+            <a:ext cx="703440" cy="703080"/>
           </a:xfrm>
           <a:prstGeom prst="roundRect">
             <a:avLst>
@@ -12991,7 +12991,7 @@
         <p:spPr>
           <a:xfrm rot="2332200">
             <a:off x="6009120" y="-319680"/>
-            <a:ext cx="4854960" cy="7725960"/>
+            <a:ext cx="4854600" cy="7725600"/>
           </a:xfrm>
           <a:prstGeom prst="roundRect">
             <a:avLst>
@@ -13029,9 +13029,9 @@
         <p:grpSpPr>
           <a:xfrm>
             <a:off x="4571640" y="828000"/>
-            <a:ext cx="4467600" cy="3563640"/>
+            <a:ext cx="4467240" cy="3563280"/>
             <a:chOff x="4571640" y="828000"/>
-            <a:chExt cx="4467600" cy="3563640"/>
+            <a:chExt cx="4467240" cy="3563280"/>
           </a:xfrm>
         </p:grpSpPr>
         <p:pic>
@@ -13047,7 +13047,7 @@
           <p:spPr>
             <a:xfrm>
               <a:off x="4571640" y="828000"/>
-              <a:ext cx="4467600" cy="3563640"/>
+              <a:ext cx="4467240" cy="3563280"/>
             </a:xfrm>
             <a:prstGeom prst="rect">
               <a:avLst/>
@@ -13065,8 +13065,8 @@
           </p:nvSpPr>
           <p:spPr>
             <a:xfrm rot="16200000">
-              <a:off x="5962680" y="1159560"/>
-              <a:ext cx="1736640" cy="2770560"/>
+              <a:off x="5962680" y="1159920"/>
+              <a:ext cx="1736280" cy="2770200"/>
             </a:xfrm>
             <a:prstGeom prst="roundRect">
               <a:avLst>
@@ -13133,7 +13133,7 @@
         <p:spPr>
           <a:xfrm>
             <a:off x="5446080" y="1672200"/>
-            <a:ext cx="2770200" cy="1736640"/>
+            <a:ext cx="2769840" cy="1736280"/>
           </a:xfrm>
           <a:prstGeom prst="rect">
             <a:avLst/>
@@ -13185,7 +13185,7 @@
         <p:spPr>
           <a:xfrm>
             <a:off x="586440" y="1246680"/>
-            <a:ext cx="4003560" cy="3599280"/>
+            <a:ext cx="4003200" cy="3598920"/>
           </a:xfrm>
           <a:prstGeom prst="rect">
             <a:avLst/>
@@ -13237,7 +13237,7 @@
         <p:spPr>
           <a:xfrm>
             <a:off x="586440" y="453960"/>
-            <a:ext cx="4763520" cy="854640"/>
+            <a:ext cx="4763160" cy="854280"/>
           </a:xfrm>
           <a:prstGeom prst="rect">
             <a:avLst/>
@@ -13325,8 +13325,8 @@
         </p:nvSpPr>
         <p:spPr>
           <a:xfrm rot="2745600">
-            <a:off x="8349840" y="-668160"/>
-            <a:ext cx="1497600" cy="1497600"/>
+            <a:off x="8349840" y="-667800"/>
+            <a:ext cx="1497240" cy="1497240"/>
           </a:xfrm>
           <a:prstGeom prst="roundRect">
             <a:avLst>
@@ -13364,7 +13364,7 @@
         <p:spPr>
           <a:xfrm rot="2745600">
             <a:off x="7634160" y="-322200"/>
-            <a:ext cx="806400" cy="806760"/>
+            <a:ext cx="806040" cy="806400"/>
           </a:xfrm>
           <a:prstGeom prst="roundRect">
             <a:avLst>
@@ -13403,7 +13403,7 @@
         <p:spPr>
           <a:xfrm>
             <a:off x="586440" y="899640"/>
-            <a:ext cx="7931160" cy="1536480"/>
+            <a:ext cx="7930800" cy="1536120"/>
           </a:xfrm>
           <a:prstGeom prst="rect">
             <a:avLst/>
@@ -13455,7 +13455,7 @@
         <p:spPr>
           <a:xfrm>
             <a:off x="608040" y="2545560"/>
-            <a:ext cx="3711600" cy="2255040"/>
+            <a:ext cx="3711240" cy="2254680"/>
           </a:xfrm>
           <a:prstGeom prst="rect">
             <a:avLst/>
@@ -13507,7 +13507,7 @@
         <p:spPr>
           <a:xfrm>
             <a:off x="4806360" y="2545560"/>
-            <a:ext cx="3711600" cy="2255040"/>
+            <a:ext cx="3711240" cy="2254680"/>
           </a:xfrm>
           <a:prstGeom prst="rect">
             <a:avLst/>
@@ -13559,7 +13559,7 @@
         <p:spPr>
           <a:xfrm>
             <a:off x="583200" y="450720"/>
-            <a:ext cx="7197480" cy="511560"/>
+            <a:ext cx="7197120" cy="511200"/>
           </a:xfrm>
           <a:prstGeom prst="rect">
             <a:avLst/>
@@ -13641,7 +13641,7 @@
         <p:spPr>
           <a:xfrm>
             <a:off x="586440" y="1246680"/>
-            <a:ext cx="4003560" cy="3599280"/>
+            <a:ext cx="4003200" cy="3598920"/>
           </a:xfrm>
           <a:prstGeom prst="rect">
             <a:avLst/>
@@ -13693,7 +13693,7 @@
         <p:spPr>
           <a:xfrm>
             <a:off x="559800" y="446040"/>
-            <a:ext cx="4282920" cy="682920"/>
+            <a:ext cx="4282560" cy="682560"/>
           </a:xfrm>
           <a:prstGeom prst="rect">
             <a:avLst/>
@@ -13745,7 +13745,7 @@
         <p:spPr>
           <a:xfrm>
             <a:off x="5097600" y="360"/>
-            <a:ext cx="4379040" cy="5143320"/>
+            <a:ext cx="4378680" cy="5142960"/>
           </a:xfrm>
           <a:prstGeom prst="roundRect">
             <a:avLst>
@@ -13810,8 +13810,8 @@
         </p:nvSpPr>
         <p:spPr>
           <a:xfrm rot="2744400">
-            <a:off x="-280080" y="-25560"/>
-            <a:ext cx="703800" cy="703440"/>
+            <a:off x="-279720" y="-25560"/>
+            <a:ext cx="703440" cy="703080"/>
           </a:xfrm>
           <a:prstGeom prst="roundRect">
             <a:avLst>
@@ -13848,8 +13848,8 @@
         </p:nvSpPr>
         <p:spPr>
           <a:xfrm rot="2625600">
-            <a:off x="4861080" y="4146480"/>
-            <a:ext cx="467640" cy="467640"/>
+            <a:off x="4861080" y="4146120"/>
+            <a:ext cx="467280" cy="467280"/>
           </a:xfrm>
           <a:prstGeom prst="roundRect">
             <a:avLst>
@@ -13923,8 +13923,8 @@
         </p:nvSpPr>
         <p:spPr>
           <a:xfrm rot="2744400">
-            <a:off x="-349200" y="4539600"/>
-            <a:ext cx="703800" cy="703440"/>
+            <a:off x="-348840" y="4539240"/>
+            <a:ext cx="703440" cy="703080"/>
           </a:xfrm>
           <a:prstGeom prst="roundRect">
             <a:avLst>
@@ -13961,8 +13961,8 @@
         </p:nvSpPr>
         <p:spPr>
           <a:xfrm rot="19228200">
-            <a:off x="5845680" y="-2265840"/>
-            <a:ext cx="4854600" cy="7725600"/>
+            <a:off x="5845680" y="-2265480"/>
+            <a:ext cx="4854240" cy="7725240"/>
           </a:xfrm>
           <a:prstGeom prst="roundRect">
             <a:avLst>
@@ -14000,9 +14000,9 @@
         <p:grpSpPr>
           <a:xfrm>
             <a:off x="4571640" y="828000"/>
-            <a:ext cx="4467600" cy="3563640"/>
+            <a:ext cx="4467240" cy="3563280"/>
             <a:chOff x="4571640" y="828000"/>
-            <a:chExt cx="4467600" cy="3563640"/>
+            <a:chExt cx="4467240" cy="3563280"/>
           </a:xfrm>
         </p:grpSpPr>
         <p:pic>
@@ -14018,7 +14018,7 @@
           <p:spPr>
             <a:xfrm>
               <a:off x="4571640" y="828000"/>
-              <a:ext cx="4467600" cy="3563640"/>
+              <a:ext cx="4467240" cy="3563280"/>
             </a:xfrm>
             <a:prstGeom prst="rect">
               <a:avLst/>
@@ -14036,8 +14036,8 @@
           </p:nvSpPr>
           <p:spPr>
             <a:xfrm rot="16200000">
-              <a:off x="5962680" y="1159560"/>
-              <a:ext cx="1736640" cy="2770560"/>
+              <a:off x="5962680" y="1159920"/>
+              <a:ext cx="1736280" cy="2770200"/>
             </a:xfrm>
             <a:prstGeom prst="roundRect">
               <a:avLst>
@@ -14104,7 +14104,7 @@
         <p:spPr>
           <a:xfrm>
             <a:off x="586440" y="1246680"/>
-            <a:ext cx="4003560" cy="3599280"/>
+            <a:ext cx="4003200" cy="3598920"/>
           </a:xfrm>
           <a:prstGeom prst="rect">
             <a:avLst/>
@@ -14156,7 +14156,7 @@
         <p:spPr>
           <a:xfrm>
             <a:off x="5446080" y="1672200"/>
-            <a:ext cx="2779560" cy="1736640"/>
+            <a:ext cx="2779200" cy="1736280"/>
           </a:xfrm>
           <a:prstGeom prst="rect">
             <a:avLst/>
@@ -14208,7 +14208,7 @@
         <p:spPr>
           <a:xfrm>
             <a:off x="586440" y="453960"/>
-            <a:ext cx="3696120" cy="854640"/>
+            <a:ext cx="3695760" cy="854280"/>
           </a:xfrm>
           <a:prstGeom prst="rect">
             <a:avLst/>
@@ -14297,7 +14297,7 @@
         <p:spPr>
           <a:xfrm>
             <a:off x="4222080" y="1246680"/>
-            <a:ext cx="4114440" cy="3599280"/>
+            <a:ext cx="4114080" cy="3598920"/>
           </a:xfrm>
           <a:prstGeom prst="rect">
             <a:avLst/>
@@ -14348,8 +14348,8 @@
         </p:nvSpPr>
         <p:spPr>
           <a:xfrm rot="16200000">
-            <a:off x="-2181600" y="1734120"/>
-            <a:ext cx="5143320" cy="1683360"/>
+            <a:off x="-2181600" y="1734480"/>
+            <a:ext cx="5142960" cy="1683000"/>
           </a:xfrm>
           <a:prstGeom prst="roundRect">
             <a:avLst>
@@ -14386,8 +14386,8 @@
         </p:nvSpPr>
         <p:spPr>
           <a:xfrm rot="2745000">
-            <a:off x="8575200" y="103320"/>
-            <a:ext cx="1131840" cy="1131480"/>
+            <a:off x="8575200" y="102960"/>
+            <a:ext cx="1131480" cy="1131120"/>
           </a:xfrm>
           <a:prstGeom prst="roundRect">
             <a:avLst>
@@ -14424,8 +14424,8 @@
         </p:nvSpPr>
         <p:spPr>
           <a:xfrm rot="16200000">
-            <a:off x="614880" y="919440"/>
-            <a:ext cx="3231360" cy="3313080"/>
+            <a:off x="614880" y="919800"/>
+            <a:ext cx="3231000" cy="3312720"/>
           </a:xfrm>
           <a:prstGeom prst="roundRect">
             <a:avLst>
@@ -14491,7 +14491,7 @@
         <p:spPr>
           <a:xfrm>
             <a:off x="4214160" y="456120"/>
-            <a:ext cx="4111200" cy="854640"/>
+            <a:ext cx="4110840" cy="854280"/>
           </a:xfrm>
           <a:prstGeom prst="rect">
             <a:avLst/>
@@ -14579,8 +14579,8 @@
         </p:nvSpPr>
         <p:spPr>
           <a:xfrm rot="2744400">
-            <a:off x="-280080" y="-25560"/>
-            <a:ext cx="703800" cy="703440"/>
+            <a:off x="-279720" y="-25560"/>
+            <a:ext cx="703440" cy="703080"/>
           </a:xfrm>
           <a:prstGeom prst="roundRect">
             <a:avLst>
@@ -14618,7 +14618,7 @@
         <p:spPr>
           <a:xfrm rot="2332200">
             <a:off x="6009120" y="-319680"/>
-            <a:ext cx="4854960" cy="7725960"/>
+            <a:ext cx="4854600" cy="7725600"/>
           </a:xfrm>
           <a:prstGeom prst="roundRect">
             <a:avLst>
@@ -14656,9 +14656,9 @@
         <p:grpSpPr>
           <a:xfrm>
             <a:off x="4571640" y="828000"/>
-            <a:ext cx="4467600" cy="3563640"/>
+            <a:ext cx="4467240" cy="3563280"/>
             <a:chOff x="4571640" y="828000"/>
-            <a:chExt cx="4467600" cy="3563640"/>
+            <a:chExt cx="4467240" cy="3563280"/>
           </a:xfrm>
         </p:grpSpPr>
         <p:pic>
@@ -14674,7 +14674,7 @@
           <p:spPr>
             <a:xfrm>
               <a:off x="4571640" y="828000"/>
-              <a:ext cx="4467600" cy="3563640"/>
+              <a:ext cx="4467240" cy="3563280"/>
             </a:xfrm>
             <a:prstGeom prst="rect">
               <a:avLst/>
@@ -14692,8 +14692,8 @@
           </p:nvSpPr>
           <p:spPr>
             <a:xfrm rot="16200000">
-              <a:off x="5962680" y="1159560"/>
-              <a:ext cx="1736640" cy="2770560"/>
+              <a:off x="5962680" y="1159920"/>
+              <a:ext cx="1736280" cy="2770200"/>
             </a:xfrm>
             <a:prstGeom prst="roundRect">
               <a:avLst>
@@ -14760,7 +14760,7 @@
         <p:spPr>
           <a:xfrm>
             <a:off x="5446080" y="1672200"/>
-            <a:ext cx="2770200" cy="1736640"/>
+            <a:ext cx="2769840" cy="1736280"/>
           </a:xfrm>
           <a:prstGeom prst="rect">
             <a:avLst/>
@@ -14812,7 +14812,7 @@
         <p:spPr>
           <a:xfrm>
             <a:off x="586440" y="1246680"/>
-            <a:ext cx="4003560" cy="3599280"/>
+            <a:ext cx="4003200" cy="3598920"/>
           </a:xfrm>
           <a:prstGeom prst="rect">
             <a:avLst/>
@@ -14864,7 +14864,7 @@
         <p:spPr>
           <a:xfrm>
             <a:off x="586440" y="453960"/>
-            <a:ext cx="4763520" cy="854640"/>
+            <a:ext cx="4763160" cy="854280"/>
           </a:xfrm>
           <a:prstGeom prst="rect">
             <a:avLst/>
@@ -14952,8 +14952,8 @@
         </p:nvSpPr>
         <p:spPr>
           <a:xfrm rot="2745600">
-            <a:off x="8349840" y="-668160"/>
-            <a:ext cx="1497600" cy="1497600"/>
+            <a:off x="8349840" y="-667800"/>
+            <a:ext cx="1497240" cy="1497240"/>
           </a:xfrm>
           <a:prstGeom prst="roundRect">
             <a:avLst>
@@ -14991,7 +14991,7 @@
         <p:spPr>
           <a:xfrm rot="2745600">
             <a:off x="7634160" y="-322200"/>
-            <a:ext cx="806400" cy="806760"/>
+            <a:ext cx="806040" cy="806400"/>
           </a:xfrm>
           <a:prstGeom prst="roundRect">
             <a:avLst>
@@ -15030,7 +15030,7 @@
         <p:spPr>
           <a:xfrm>
             <a:off x="586440" y="899640"/>
-            <a:ext cx="7931160" cy="1536480"/>
+            <a:ext cx="7930800" cy="1536120"/>
           </a:xfrm>
           <a:prstGeom prst="rect">
             <a:avLst/>
@@ -15082,7 +15082,7 @@
         <p:spPr>
           <a:xfrm>
             <a:off x="608040" y="2545560"/>
-            <a:ext cx="3711600" cy="2255040"/>
+            <a:ext cx="3711240" cy="2254680"/>
           </a:xfrm>
           <a:prstGeom prst="rect">
             <a:avLst/>
@@ -15134,7 +15134,7 @@
         <p:spPr>
           <a:xfrm>
             <a:off x="4806360" y="2545560"/>
-            <a:ext cx="3711600" cy="2255040"/>
+            <a:ext cx="3711240" cy="2254680"/>
           </a:xfrm>
           <a:prstGeom prst="rect">
             <a:avLst/>
@@ -15186,7 +15186,7 @@
         <p:spPr>
           <a:xfrm>
             <a:off x="583200" y="450720"/>
-            <a:ext cx="7197480" cy="511560"/>
+            <a:ext cx="7197120" cy="511200"/>
           </a:xfrm>
           <a:prstGeom prst="rect">
             <a:avLst/>
@@ -15268,7 +15268,7 @@
         <p:spPr>
           <a:xfrm>
             <a:off x="586440" y="1246680"/>
-            <a:ext cx="4003560" cy="3599280"/>
+            <a:ext cx="4003200" cy="3598920"/>
           </a:xfrm>
           <a:prstGeom prst="rect">
             <a:avLst/>
@@ -15320,7 +15320,7 @@
         <p:spPr>
           <a:xfrm>
             <a:off x="559800" y="446040"/>
-            <a:ext cx="4282920" cy="682920"/>
+            <a:ext cx="4282560" cy="682560"/>
           </a:xfrm>
           <a:prstGeom prst="rect">
             <a:avLst/>
@@ -15372,7 +15372,7 @@
         <p:spPr>
           <a:xfrm>
             <a:off x="5097600" y="360"/>
-            <a:ext cx="4379040" cy="5143320"/>
+            <a:ext cx="4378680" cy="5142960"/>
           </a:xfrm>
           <a:prstGeom prst="roundRect">
             <a:avLst>
@@ -15437,8 +15437,8 @@
         </p:nvSpPr>
         <p:spPr>
           <a:xfrm rot="2744400">
-            <a:off x="-280080" y="-25560"/>
-            <a:ext cx="703800" cy="703440"/>
+            <a:off x="-279720" y="-25560"/>
+            <a:ext cx="703440" cy="703080"/>
           </a:xfrm>
           <a:prstGeom prst="roundRect">
             <a:avLst>
@@ -15475,8 +15475,8 @@
         </p:nvSpPr>
         <p:spPr>
           <a:xfrm rot="2625600">
-            <a:off x="4861080" y="4146480"/>
-            <a:ext cx="467640" cy="467640"/>
+            <a:off x="4861080" y="4146120"/>
+            <a:ext cx="467280" cy="467280"/>
           </a:xfrm>
           <a:prstGeom prst="roundRect">
             <a:avLst>
@@ -15550,8 +15550,8 @@
         </p:nvSpPr>
         <p:spPr>
           <a:xfrm rot="2744400">
-            <a:off x="-349200" y="4539600"/>
-            <a:ext cx="703800" cy="703440"/>
+            <a:off x="-348840" y="4539240"/>
+            <a:ext cx="703440" cy="703080"/>
           </a:xfrm>
           <a:prstGeom prst="roundRect">
             <a:avLst>
@@ -15588,8 +15588,8 @@
         </p:nvSpPr>
         <p:spPr>
           <a:xfrm rot="19228200">
-            <a:off x="5845680" y="-2265840"/>
-            <a:ext cx="4854600" cy="7725600"/>
+            <a:off x="5845680" y="-2265480"/>
+            <a:ext cx="4854240" cy="7725240"/>
           </a:xfrm>
           <a:prstGeom prst="roundRect">
             <a:avLst>
@@ -15627,9 +15627,9 @@
         <p:grpSpPr>
           <a:xfrm>
             <a:off x="4571640" y="828000"/>
-            <a:ext cx="4467600" cy="3563640"/>
+            <a:ext cx="4467240" cy="3563280"/>
             <a:chOff x="4571640" y="828000"/>
-            <a:chExt cx="4467600" cy="3563640"/>
+            <a:chExt cx="4467240" cy="3563280"/>
           </a:xfrm>
         </p:grpSpPr>
         <p:pic>
@@ -15645,7 +15645,7 @@
           <p:spPr>
             <a:xfrm>
               <a:off x="4571640" y="828000"/>
-              <a:ext cx="4467600" cy="3563640"/>
+              <a:ext cx="4467240" cy="3563280"/>
             </a:xfrm>
             <a:prstGeom prst="rect">
               <a:avLst/>
@@ -15663,8 +15663,8 @@
           </p:nvSpPr>
           <p:spPr>
             <a:xfrm rot="16200000">
-              <a:off x="5962680" y="1159560"/>
-              <a:ext cx="1736640" cy="2770560"/>
+              <a:off x="5962680" y="1159920"/>
+              <a:ext cx="1736280" cy="2770200"/>
             </a:xfrm>
             <a:prstGeom prst="roundRect">
               <a:avLst>
@@ -15731,7 +15731,7 @@
         <p:spPr>
           <a:xfrm>
             <a:off x="586440" y="1246680"/>
-            <a:ext cx="4003560" cy="3599280"/>
+            <a:ext cx="4003200" cy="3598920"/>
           </a:xfrm>
           <a:prstGeom prst="rect">
             <a:avLst/>
@@ -15783,7 +15783,7 @@
         <p:spPr>
           <a:xfrm>
             <a:off x="5446080" y="1672200"/>
-            <a:ext cx="2779560" cy="1736640"/>
+            <a:ext cx="2779200" cy="1736280"/>
           </a:xfrm>
           <a:prstGeom prst="rect">
             <a:avLst/>
@@ -15835,7 +15835,7 @@
         <p:spPr>
           <a:xfrm>
             <a:off x="586440" y="453960"/>
-            <a:ext cx="3696120" cy="854640"/>
+            <a:ext cx="3695760" cy="854280"/>
           </a:xfrm>
           <a:prstGeom prst="rect">
             <a:avLst/>
@@ -15924,7 +15924,7 @@
         <p:spPr>
           <a:xfrm>
             <a:off x="4222080" y="1246680"/>
-            <a:ext cx="4114440" cy="3599280"/>
+            <a:ext cx="4114080" cy="3598920"/>
           </a:xfrm>
           <a:prstGeom prst="rect">
             <a:avLst/>
@@ -15975,8 +15975,8 @@
         </p:nvSpPr>
         <p:spPr>
           <a:xfrm rot="16200000">
-            <a:off x="-2181600" y="1734120"/>
-            <a:ext cx="5143320" cy="1683360"/>
+            <a:off x="-2181600" y="1734480"/>
+            <a:ext cx="5142960" cy="1683000"/>
           </a:xfrm>
           <a:prstGeom prst="roundRect">
             <a:avLst>
@@ -16013,8 +16013,8 @@
         </p:nvSpPr>
         <p:spPr>
           <a:xfrm rot="2745000">
-            <a:off x="8575200" y="103320"/>
-            <a:ext cx="1131840" cy="1131480"/>
+            <a:off x="8575200" y="102960"/>
+            <a:ext cx="1131480" cy="1131120"/>
           </a:xfrm>
           <a:prstGeom prst="roundRect">
             <a:avLst>
@@ -16051,8 +16051,8 @@
         </p:nvSpPr>
         <p:spPr>
           <a:xfrm rot="16200000">
-            <a:off x="614880" y="919440"/>
-            <a:ext cx="3231360" cy="3313080"/>
+            <a:off x="614880" y="919800"/>
+            <a:ext cx="3231000" cy="3312720"/>
           </a:xfrm>
           <a:prstGeom prst="roundRect">
             <a:avLst>
@@ -16118,7 +16118,7 @@
         <p:spPr>
           <a:xfrm>
             <a:off x="4214160" y="456120"/>
-            <a:ext cx="4111200" cy="854640"/>
+            <a:ext cx="4110840" cy="854280"/>
           </a:xfrm>
           <a:prstGeom prst="rect">
             <a:avLst/>
@@ -16206,8 +16206,8 @@
         </p:nvSpPr>
         <p:spPr>
           <a:xfrm rot="2744400">
-            <a:off x="-349200" y="4539600"/>
-            <a:ext cx="703800" cy="703440"/>
+            <a:off x="-348840" y="4539240"/>
+            <a:ext cx="703440" cy="703080"/>
           </a:xfrm>
           <a:prstGeom prst="roundRect">
             <a:avLst>
@@ -16244,8 +16244,8 @@
         </p:nvSpPr>
         <p:spPr>
           <a:xfrm rot="19228200">
-            <a:off x="5845680" y="-2265840"/>
-            <a:ext cx="4854600" cy="7725600"/>
+            <a:off x="5845680" y="-2265480"/>
+            <a:ext cx="4854240" cy="7725240"/>
           </a:xfrm>
           <a:prstGeom prst="roundRect">
             <a:avLst>
@@ -16283,9 +16283,9 @@
         <p:grpSpPr>
           <a:xfrm>
             <a:off x="4571640" y="828000"/>
-            <a:ext cx="4467600" cy="3563640"/>
+            <a:ext cx="4467240" cy="3563280"/>
             <a:chOff x="4571640" y="828000"/>
-            <a:chExt cx="4467600" cy="3563640"/>
+            <a:chExt cx="4467240" cy="3563280"/>
           </a:xfrm>
         </p:grpSpPr>
         <p:pic>
@@ -16301,7 +16301,7 @@
           <p:spPr>
             <a:xfrm>
               <a:off x="4571640" y="828000"/>
-              <a:ext cx="4467600" cy="3563640"/>
+              <a:ext cx="4467240" cy="3563280"/>
             </a:xfrm>
             <a:prstGeom prst="rect">
               <a:avLst/>
@@ -16319,8 +16319,8 @@
           </p:nvSpPr>
           <p:spPr>
             <a:xfrm rot="16200000">
-              <a:off x="5962680" y="1159560"/>
-              <a:ext cx="1736640" cy="2770560"/>
+              <a:off x="5962680" y="1159920"/>
+              <a:ext cx="1736280" cy="2770200"/>
             </a:xfrm>
             <a:prstGeom prst="roundRect">
               <a:avLst>
@@ -16387,7 +16387,7 @@
         <p:spPr>
           <a:xfrm>
             <a:off x="586440" y="1246680"/>
-            <a:ext cx="4003560" cy="3599280"/>
+            <a:ext cx="4003200" cy="3598920"/>
           </a:xfrm>
           <a:prstGeom prst="rect">
             <a:avLst/>
@@ -16439,7 +16439,7 @@
         <p:spPr>
           <a:xfrm>
             <a:off x="5446080" y="1672200"/>
-            <a:ext cx="2779560" cy="1736640"/>
+            <a:ext cx="2779200" cy="1736280"/>
           </a:xfrm>
           <a:prstGeom prst="rect">
             <a:avLst/>
@@ -16491,7 +16491,7 @@
         <p:spPr>
           <a:xfrm>
             <a:off x="586440" y="453960"/>
-            <a:ext cx="3696120" cy="854640"/>
+            <a:ext cx="3695760" cy="854280"/>
           </a:xfrm>
           <a:prstGeom prst="rect">
             <a:avLst/>
@@ -16579,8 +16579,8 @@
         </p:nvSpPr>
         <p:spPr>
           <a:xfrm rot="2744400">
-            <a:off x="-280080" y="-25560"/>
-            <a:ext cx="703800" cy="703440"/>
+            <a:off x="-279720" y="-25560"/>
+            <a:ext cx="703440" cy="703080"/>
           </a:xfrm>
           <a:prstGeom prst="roundRect">
             <a:avLst>
@@ -16618,7 +16618,7 @@
         <p:spPr>
           <a:xfrm rot="2332200">
             <a:off x="6009120" y="-319680"/>
-            <a:ext cx="4854960" cy="7725960"/>
+            <a:ext cx="4854600" cy="7725600"/>
           </a:xfrm>
           <a:prstGeom prst="roundRect">
             <a:avLst>
@@ -16656,9 +16656,9 @@
         <p:grpSpPr>
           <a:xfrm>
             <a:off x="4571640" y="828000"/>
-            <a:ext cx="4467600" cy="3563640"/>
+            <a:ext cx="4467240" cy="3563280"/>
             <a:chOff x="4571640" y="828000"/>
-            <a:chExt cx="4467600" cy="3563640"/>
+            <a:chExt cx="4467240" cy="3563280"/>
           </a:xfrm>
         </p:grpSpPr>
         <p:pic>
@@ -16674,7 +16674,7 @@
           <p:spPr>
             <a:xfrm>
               <a:off x="4571640" y="828000"/>
-              <a:ext cx="4467600" cy="3563640"/>
+              <a:ext cx="4467240" cy="3563280"/>
             </a:xfrm>
             <a:prstGeom prst="rect">
               <a:avLst/>
@@ -16692,8 +16692,8 @@
           </p:nvSpPr>
           <p:spPr>
             <a:xfrm rot="16200000">
-              <a:off x="5962680" y="1159560"/>
-              <a:ext cx="1736640" cy="2770560"/>
+              <a:off x="5962680" y="1159920"/>
+              <a:ext cx="1736280" cy="2770200"/>
             </a:xfrm>
             <a:prstGeom prst="roundRect">
               <a:avLst>
@@ -16760,7 +16760,7 @@
         <p:spPr>
           <a:xfrm>
             <a:off x="5446080" y="1672200"/>
-            <a:ext cx="2770200" cy="1736640"/>
+            <a:ext cx="2769840" cy="1736280"/>
           </a:xfrm>
           <a:prstGeom prst="rect">
             <a:avLst/>
@@ -16812,7 +16812,7 @@
         <p:spPr>
           <a:xfrm>
             <a:off x="586440" y="1246680"/>
-            <a:ext cx="4003560" cy="3599280"/>
+            <a:ext cx="4003200" cy="3598920"/>
           </a:xfrm>
           <a:prstGeom prst="rect">
             <a:avLst/>
@@ -16864,7 +16864,7 @@
         <p:spPr>
           <a:xfrm>
             <a:off x="586440" y="453960"/>
-            <a:ext cx="4763520" cy="854640"/>
+            <a:ext cx="4763160" cy="854280"/>
           </a:xfrm>
           <a:prstGeom prst="rect">
             <a:avLst/>
@@ -16952,8 +16952,8 @@
         </p:nvSpPr>
         <p:spPr>
           <a:xfrm rot="2745600">
-            <a:off x="8349840" y="-668160"/>
-            <a:ext cx="1497600" cy="1497600"/>
+            <a:off x="8349840" y="-667800"/>
+            <a:ext cx="1497240" cy="1497240"/>
           </a:xfrm>
           <a:prstGeom prst="roundRect">
             <a:avLst>
@@ -16991,7 +16991,7 @@
         <p:spPr>
           <a:xfrm rot="2745600">
             <a:off x="7634160" y="-322200"/>
-            <a:ext cx="806400" cy="806760"/>
+            <a:ext cx="806040" cy="806400"/>
           </a:xfrm>
           <a:prstGeom prst="roundRect">
             <a:avLst>
@@ -17030,7 +17030,7 @@
         <p:spPr>
           <a:xfrm>
             <a:off x="586440" y="899640"/>
-            <a:ext cx="7931160" cy="1536480"/>
+            <a:ext cx="7930800" cy="1536120"/>
           </a:xfrm>
           <a:prstGeom prst="rect">
             <a:avLst/>
@@ -17082,7 +17082,7 @@
         <p:spPr>
           <a:xfrm>
             <a:off x="608040" y="2545560"/>
-            <a:ext cx="3711600" cy="2255040"/>
+            <a:ext cx="3711240" cy="2254680"/>
           </a:xfrm>
           <a:prstGeom prst="rect">
             <a:avLst/>
@@ -17134,7 +17134,7 @@
         <p:spPr>
           <a:xfrm>
             <a:off x="4806360" y="2545560"/>
-            <a:ext cx="3711600" cy="2255040"/>
+            <a:ext cx="3711240" cy="2254680"/>
           </a:xfrm>
           <a:prstGeom prst="rect">
             <a:avLst/>
@@ -17186,7 +17186,7 @@
         <p:spPr>
           <a:xfrm>
             <a:off x="583200" y="450720"/>
-            <a:ext cx="7197480" cy="511560"/>
+            <a:ext cx="7197120" cy="511200"/>
           </a:xfrm>
           <a:prstGeom prst="rect">
             <a:avLst/>
@@ -17268,7 +17268,7 @@
         <p:spPr>
           <a:xfrm>
             <a:off x="586440" y="1246680"/>
-            <a:ext cx="4003560" cy="3599280"/>
+            <a:ext cx="4003200" cy="3598920"/>
           </a:xfrm>
           <a:prstGeom prst="rect">
             <a:avLst/>
@@ -17320,7 +17320,7 @@
         <p:spPr>
           <a:xfrm>
             <a:off x="559800" y="446040"/>
-            <a:ext cx="4282920" cy="682920"/>
+            <a:ext cx="4282560" cy="682560"/>
           </a:xfrm>
           <a:prstGeom prst="rect">
             <a:avLst/>
@@ -17372,7 +17372,7 @@
         <p:spPr>
           <a:xfrm>
             <a:off x="5097600" y="360"/>
-            <a:ext cx="4379040" cy="5143320"/>
+            <a:ext cx="4378680" cy="5142960"/>
           </a:xfrm>
           <a:prstGeom prst="roundRect">
             <a:avLst>
@@ -17437,8 +17437,8 @@
         </p:nvSpPr>
         <p:spPr>
           <a:xfrm rot="2744400">
-            <a:off x="-280080" y="-25560"/>
-            <a:ext cx="703800" cy="703440"/>
+            <a:off x="-279720" y="-25560"/>
+            <a:ext cx="703440" cy="703080"/>
           </a:xfrm>
           <a:prstGeom prst="roundRect">
             <a:avLst>
@@ -17475,8 +17475,8 @@
         </p:nvSpPr>
         <p:spPr>
           <a:xfrm rot="2625600">
-            <a:off x="4861080" y="4146480"/>
-            <a:ext cx="467640" cy="467640"/>
+            <a:off x="4861080" y="4146120"/>
+            <a:ext cx="467280" cy="467280"/>
           </a:xfrm>
           <a:prstGeom prst="roundRect">
             <a:avLst>
@@ -17550,8 +17550,8 @@
         </p:nvSpPr>
         <p:spPr>
           <a:xfrm rot="2744400">
-            <a:off x="-349200" y="4539600"/>
-            <a:ext cx="703800" cy="703440"/>
+            <a:off x="-348840" y="4539240"/>
+            <a:ext cx="703440" cy="703080"/>
           </a:xfrm>
           <a:prstGeom prst="roundRect">
             <a:avLst>
@@ -17588,8 +17588,8 @@
         </p:nvSpPr>
         <p:spPr>
           <a:xfrm rot="19228200">
-            <a:off x="5845680" y="-2265840"/>
-            <a:ext cx="4854600" cy="7725600"/>
+            <a:off x="5845680" y="-2265480"/>
+            <a:ext cx="4854240" cy="7725240"/>
           </a:xfrm>
           <a:prstGeom prst="roundRect">
             <a:avLst>
@@ -17627,9 +17627,9 @@
         <p:grpSpPr>
           <a:xfrm>
             <a:off x="4571640" y="828000"/>
-            <a:ext cx="4467600" cy="3563640"/>
+            <a:ext cx="4467240" cy="3563280"/>
             <a:chOff x="4571640" y="828000"/>
-            <a:chExt cx="4467600" cy="3563640"/>
+            <a:chExt cx="4467240" cy="3563280"/>
           </a:xfrm>
         </p:grpSpPr>
         <p:pic>
@@ -17645,7 +17645,7 @@
           <p:spPr>
             <a:xfrm>
               <a:off x="4571640" y="828000"/>
-              <a:ext cx="4467600" cy="3563640"/>
+              <a:ext cx="4467240" cy="3563280"/>
             </a:xfrm>
             <a:prstGeom prst="rect">
               <a:avLst/>
@@ -17663,8 +17663,8 @@
           </p:nvSpPr>
           <p:spPr>
             <a:xfrm rot="16200000">
-              <a:off x="5962680" y="1159560"/>
-              <a:ext cx="1736640" cy="2770560"/>
+              <a:off x="5962680" y="1159920"/>
+              <a:ext cx="1736280" cy="2770200"/>
             </a:xfrm>
             <a:prstGeom prst="roundRect">
               <a:avLst>
@@ -17731,7 +17731,7 @@
         <p:spPr>
           <a:xfrm>
             <a:off x="586440" y="1246680"/>
-            <a:ext cx="4003560" cy="3599280"/>
+            <a:ext cx="4003200" cy="3598920"/>
           </a:xfrm>
           <a:prstGeom prst="rect">
             <a:avLst/>
@@ -17783,7 +17783,7 @@
         <p:spPr>
           <a:xfrm>
             <a:off x="5446080" y="1672200"/>
-            <a:ext cx="2779560" cy="1736640"/>
+            <a:ext cx="2779200" cy="1736280"/>
           </a:xfrm>
           <a:prstGeom prst="rect">
             <a:avLst/>
@@ -17835,7 +17835,7 @@
         <p:spPr>
           <a:xfrm>
             <a:off x="586440" y="453960"/>
-            <a:ext cx="3696120" cy="854640"/>
+            <a:ext cx="3695760" cy="854280"/>
           </a:xfrm>
           <a:prstGeom prst="rect">
             <a:avLst/>
@@ -17924,7 +17924,7 @@
         <p:spPr>
           <a:xfrm>
             <a:off x="4222080" y="1246680"/>
-            <a:ext cx="4114440" cy="3599280"/>
+            <a:ext cx="4114080" cy="3598920"/>
           </a:xfrm>
           <a:prstGeom prst="rect">
             <a:avLst/>
@@ -17975,8 +17975,8 @@
         </p:nvSpPr>
         <p:spPr>
           <a:xfrm rot="16200000">
-            <a:off x="-2181600" y="1734120"/>
-            <a:ext cx="5143320" cy="1683360"/>
+            <a:off x="-2181600" y="1734480"/>
+            <a:ext cx="5142960" cy="1683000"/>
           </a:xfrm>
           <a:prstGeom prst="roundRect">
             <a:avLst>
@@ -18013,8 +18013,8 @@
         </p:nvSpPr>
         <p:spPr>
           <a:xfrm rot="2745000">
-            <a:off x="8575200" y="103320"/>
-            <a:ext cx="1131840" cy="1131480"/>
+            <a:off x="8575200" y="102960"/>
+            <a:ext cx="1131480" cy="1131120"/>
           </a:xfrm>
           <a:prstGeom prst="roundRect">
             <a:avLst>
@@ -18051,8 +18051,8 @@
         </p:nvSpPr>
         <p:spPr>
           <a:xfrm rot="16200000">
-            <a:off x="614880" y="919440"/>
-            <a:ext cx="3231360" cy="3313080"/>
+            <a:off x="614880" y="919800"/>
+            <a:ext cx="3231000" cy="3312720"/>
           </a:xfrm>
           <a:prstGeom prst="roundRect">
             <a:avLst>
@@ -18118,7 +18118,7 @@
         <p:spPr>
           <a:xfrm>
             <a:off x="4214160" y="456120"/>
-            <a:ext cx="4111200" cy="854640"/>
+            <a:ext cx="4110840" cy="854280"/>
           </a:xfrm>
           <a:prstGeom prst="rect">
             <a:avLst/>
@@ -18206,8 +18206,8 @@
         </p:nvSpPr>
         <p:spPr>
           <a:xfrm rot="2744400">
-            <a:off x="-280080" y="-25560"/>
-            <a:ext cx="703800" cy="703440"/>
+            <a:off x="-279720" y="-25560"/>
+            <a:ext cx="703440" cy="703080"/>
           </a:xfrm>
           <a:prstGeom prst="roundRect">
             <a:avLst>
@@ -18245,7 +18245,7 @@
         <p:spPr>
           <a:xfrm rot="2332200">
             <a:off x="6009120" y="-319680"/>
-            <a:ext cx="4854960" cy="7725960"/>
+            <a:ext cx="4854600" cy="7725600"/>
           </a:xfrm>
           <a:prstGeom prst="roundRect">
             <a:avLst>
@@ -18283,9 +18283,9 @@
         <p:grpSpPr>
           <a:xfrm>
             <a:off x="4571640" y="828000"/>
-            <a:ext cx="4467600" cy="3563640"/>
+            <a:ext cx="4467240" cy="3563280"/>
             <a:chOff x="4571640" y="828000"/>
-            <a:chExt cx="4467600" cy="3563640"/>
+            <a:chExt cx="4467240" cy="3563280"/>
           </a:xfrm>
         </p:grpSpPr>
         <p:pic>
@@ -18301,7 +18301,7 @@
           <p:spPr>
             <a:xfrm>
               <a:off x="4571640" y="828000"/>
-              <a:ext cx="4467600" cy="3563640"/>
+              <a:ext cx="4467240" cy="3563280"/>
             </a:xfrm>
             <a:prstGeom prst="rect">
               <a:avLst/>
@@ -18319,8 +18319,8 @@
           </p:nvSpPr>
           <p:spPr>
             <a:xfrm rot="16200000">
-              <a:off x="5962680" y="1159560"/>
-              <a:ext cx="1736640" cy="2770560"/>
+              <a:off x="5962680" y="1159920"/>
+              <a:ext cx="1736280" cy="2770200"/>
             </a:xfrm>
             <a:prstGeom prst="roundRect">
               <a:avLst>
@@ -18387,7 +18387,7 @@
         <p:spPr>
           <a:xfrm>
             <a:off x="5446080" y="1672200"/>
-            <a:ext cx="2770200" cy="1736640"/>
+            <a:ext cx="2769840" cy="1736280"/>
           </a:xfrm>
           <a:prstGeom prst="rect">
             <a:avLst/>
@@ -18439,7 +18439,7 @@
         <p:spPr>
           <a:xfrm>
             <a:off x="586440" y="1246680"/>
-            <a:ext cx="4003560" cy="3599280"/>
+            <a:ext cx="4003200" cy="3598920"/>
           </a:xfrm>
           <a:prstGeom prst="rect">
             <a:avLst/>
@@ -18491,7 +18491,7 @@
         <p:spPr>
           <a:xfrm>
             <a:off x="586440" y="453960"/>
-            <a:ext cx="4763520" cy="854640"/>
+            <a:ext cx="4763160" cy="854280"/>
           </a:xfrm>
           <a:prstGeom prst="rect">
             <a:avLst/>
@@ -18579,8 +18579,8 @@
         </p:nvSpPr>
         <p:spPr>
           <a:xfrm rot="2745600">
-            <a:off x="8349840" y="-668160"/>
-            <a:ext cx="1497600" cy="1497600"/>
+            <a:off x="8349840" y="-667800"/>
+            <a:ext cx="1497240" cy="1497240"/>
           </a:xfrm>
           <a:prstGeom prst="roundRect">
             <a:avLst>
@@ -18618,7 +18618,7 @@
         <p:spPr>
           <a:xfrm rot="2745600">
             <a:off x="7634160" y="-322200"/>
-            <a:ext cx="806400" cy="806760"/>
+            <a:ext cx="806040" cy="806400"/>
           </a:xfrm>
           <a:prstGeom prst="roundRect">
             <a:avLst>
@@ -18657,7 +18657,7 @@
         <p:spPr>
           <a:xfrm>
             <a:off x="586440" y="899640"/>
-            <a:ext cx="7931160" cy="1536480"/>
+            <a:ext cx="7930800" cy="1536120"/>
           </a:xfrm>
           <a:prstGeom prst="rect">
             <a:avLst/>
@@ -18709,7 +18709,7 @@
         <p:spPr>
           <a:xfrm>
             <a:off x="608040" y="2545560"/>
-            <a:ext cx="3711600" cy="2255040"/>
+            <a:ext cx="3711240" cy="2254680"/>
           </a:xfrm>
           <a:prstGeom prst="rect">
             <a:avLst/>
@@ -18761,7 +18761,7 @@
         <p:spPr>
           <a:xfrm>
             <a:off x="4806360" y="2545560"/>
-            <a:ext cx="3711600" cy="2255040"/>
+            <a:ext cx="3711240" cy="2254680"/>
           </a:xfrm>
           <a:prstGeom prst="rect">
             <a:avLst/>
@@ -18813,7 +18813,7 @@
         <p:spPr>
           <a:xfrm>
             <a:off x="583200" y="450720"/>
-            <a:ext cx="7197480" cy="511560"/>
+            <a:ext cx="7197120" cy="511200"/>
           </a:xfrm>
           <a:prstGeom prst="rect">
             <a:avLst/>
@@ -18895,7 +18895,7 @@
         <p:spPr>
           <a:xfrm>
             <a:off x="586440" y="1246680"/>
-            <a:ext cx="4003560" cy="3599280"/>
+            <a:ext cx="4003200" cy="3598920"/>
           </a:xfrm>
           <a:prstGeom prst="rect">
             <a:avLst/>
@@ -18947,7 +18947,7 @@
         <p:spPr>
           <a:xfrm>
             <a:off x="559800" y="446040"/>
-            <a:ext cx="4282920" cy="682920"/>
+            <a:ext cx="4282560" cy="682560"/>
           </a:xfrm>
           <a:prstGeom prst="rect">
             <a:avLst/>
@@ -18999,7 +18999,7 @@
         <p:spPr>
           <a:xfrm>
             <a:off x="5097600" y="360"/>
-            <a:ext cx="4379040" cy="5143320"/>
+            <a:ext cx="4378680" cy="5142960"/>
           </a:xfrm>
           <a:prstGeom prst="roundRect">
             <a:avLst>
@@ -19064,8 +19064,8 @@
         </p:nvSpPr>
         <p:spPr>
           <a:xfrm rot="2744400">
-            <a:off x="-280080" y="-25560"/>
-            <a:ext cx="703800" cy="703440"/>
+            <a:off x="-279720" y="-25560"/>
+            <a:ext cx="703440" cy="703080"/>
           </a:xfrm>
           <a:prstGeom prst="roundRect">
             <a:avLst>
@@ -19102,8 +19102,8 @@
         </p:nvSpPr>
         <p:spPr>
           <a:xfrm rot="2625600">
-            <a:off x="4861080" y="4146480"/>
-            <a:ext cx="467640" cy="467640"/>
+            <a:off x="4861080" y="4146120"/>
+            <a:ext cx="467280" cy="467280"/>
           </a:xfrm>
           <a:prstGeom prst="roundRect">
             <a:avLst>
@@ -19177,8 +19177,8 @@
         </p:nvSpPr>
         <p:spPr>
           <a:xfrm rot="2744400">
-            <a:off x="-349200" y="4539600"/>
-            <a:ext cx="703800" cy="703440"/>
+            <a:off x="-348840" y="4539240"/>
+            <a:ext cx="703440" cy="703080"/>
           </a:xfrm>
           <a:prstGeom prst="roundRect">
             <a:avLst>
@@ -19215,8 +19215,8 @@
         </p:nvSpPr>
         <p:spPr>
           <a:xfrm rot="19228200">
-            <a:off x="5845680" y="-2265840"/>
-            <a:ext cx="4854600" cy="7725600"/>
+            <a:off x="5845680" y="-2265480"/>
+            <a:ext cx="4854240" cy="7725240"/>
           </a:xfrm>
           <a:prstGeom prst="roundRect">
             <a:avLst>
@@ -19254,9 +19254,9 @@
         <p:grpSpPr>
           <a:xfrm>
             <a:off x="4571640" y="828000"/>
-            <a:ext cx="4467600" cy="3563640"/>
+            <a:ext cx="4467240" cy="3563280"/>
             <a:chOff x="4571640" y="828000"/>
-            <a:chExt cx="4467600" cy="3563640"/>
+            <a:chExt cx="4467240" cy="3563280"/>
           </a:xfrm>
         </p:grpSpPr>
         <p:pic>
@@ -19272,7 +19272,7 @@
           <p:spPr>
             <a:xfrm>
               <a:off x="4571640" y="828000"/>
-              <a:ext cx="4467600" cy="3563640"/>
+              <a:ext cx="4467240" cy="3563280"/>
             </a:xfrm>
             <a:prstGeom prst="rect">
               <a:avLst/>
@@ -19290,8 +19290,8 @@
           </p:nvSpPr>
           <p:spPr>
             <a:xfrm rot="16200000">
-              <a:off x="5962680" y="1159560"/>
-              <a:ext cx="1736640" cy="2770560"/>
+              <a:off x="5962680" y="1159920"/>
+              <a:ext cx="1736280" cy="2770200"/>
             </a:xfrm>
             <a:prstGeom prst="roundRect">
               <a:avLst>
@@ -19358,7 +19358,7 @@
         <p:spPr>
           <a:xfrm>
             <a:off x="586440" y="1246680"/>
-            <a:ext cx="4003560" cy="3599280"/>
+            <a:ext cx="4003200" cy="3598920"/>
           </a:xfrm>
           <a:prstGeom prst="rect">
             <a:avLst/>
@@ -19410,7 +19410,7 @@
         <p:spPr>
           <a:xfrm>
             <a:off x="5446080" y="1672200"/>
-            <a:ext cx="2779560" cy="1736640"/>
+            <a:ext cx="2779200" cy="1736280"/>
           </a:xfrm>
           <a:prstGeom prst="rect">
             <a:avLst/>
@@ -19462,7 +19462,7 @@
         <p:spPr>
           <a:xfrm>
             <a:off x="586440" y="453960"/>
-            <a:ext cx="3696120" cy="854640"/>
+            <a:ext cx="3695760" cy="854280"/>
           </a:xfrm>
           <a:prstGeom prst="rect">
             <a:avLst/>
@@ -19551,7 +19551,7 @@
         <p:spPr>
           <a:xfrm>
             <a:off x="4222080" y="1246680"/>
-            <a:ext cx="4114440" cy="3599280"/>
+            <a:ext cx="4114080" cy="3598920"/>
           </a:xfrm>
           <a:prstGeom prst="rect">
             <a:avLst/>
@@ -19602,8 +19602,8 @@
         </p:nvSpPr>
         <p:spPr>
           <a:xfrm rot="16200000">
-            <a:off x="-2181600" y="1734120"/>
-            <a:ext cx="5143320" cy="1683360"/>
+            <a:off x="-2181600" y="1734480"/>
+            <a:ext cx="5142960" cy="1683000"/>
           </a:xfrm>
           <a:prstGeom prst="roundRect">
             <a:avLst>
@@ -19640,8 +19640,8 @@
         </p:nvSpPr>
         <p:spPr>
           <a:xfrm rot="2745000">
-            <a:off x="8575200" y="103320"/>
-            <a:ext cx="1131840" cy="1131480"/>
+            <a:off x="8575200" y="102960"/>
+            <a:ext cx="1131480" cy="1131120"/>
           </a:xfrm>
           <a:prstGeom prst="roundRect">
             <a:avLst>
@@ -19678,8 +19678,8 @@
         </p:nvSpPr>
         <p:spPr>
           <a:xfrm rot="16200000">
-            <a:off x="614880" y="919440"/>
-            <a:ext cx="3231360" cy="3313080"/>
+            <a:off x="614880" y="919800"/>
+            <a:ext cx="3231000" cy="3312720"/>
           </a:xfrm>
           <a:prstGeom prst="roundRect">
             <a:avLst>
@@ -19745,7 +19745,7 @@
         <p:spPr>
           <a:xfrm>
             <a:off x="4214160" y="456120"/>
-            <a:ext cx="4111200" cy="854640"/>
+            <a:ext cx="4110840" cy="854280"/>
           </a:xfrm>
           <a:prstGeom prst="rect">
             <a:avLst/>
@@ -19834,7 +19834,7 @@
         <p:spPr>
           <a:xfrm>
             <a:off x="4222080" y="1246680"/>
-            <a:ext cx="4114440" cy="3599280"/>
+            <a:ext cx="4114080" cy="3598920"/>
           </a:xfrm>
           <a:prstGeom prst="rect">
             <a:avLst/>
@@ -19885,8 +19885,8 @@
         </p:nvSpPr>
         <p:spPr>
           <a:xfrm rot="16200000">
-            <a:off x="-2181600" y="1734120"/>
-            <a:ext cx="5143320" cy="1683360"/>
+            <a:off x="-2181600" y="1734480"/>
+            <a:ext cx="5142960" cy="1683000"/>
           </a:xfrm>
           <a:prstGeom prst="roundRect">
             <a:avLst>
@@ -19923,8 +19923,8 @@
         </p:nvSpPr>
         <p:spPr>
           <a:xfrm rot="2745000">
-            <a:off x="8575200" y="103320"/>
-            <a:ext cx="1131840" cy="1131480"/>
+            <a:off x="8575200" y="102960"/>
+            <a:ext cx="1131480" cy="1131120"/>
           </a:xfrm>
           <a:prstGeom prst="roundRect">
             <a:avLst>
@@ -19961,8 +19961,8 @@
         </p:nvSpPr>
         <p:spPr>
           <a:xfrm rot="16200000">
-            <a:off x="614880" y="919440"/>
-            <a:ext cx="3231360" cy="3313080"/>
+            <a:off x="614880" y="919800"/>
+            <a:ext cx="3231000" cy="3312720"/>
           </a:xfrm>
           <a:prstGeom prst="roundRect">
             <a:avLst>
@@ -20028,7 +20028,7 @@
         <p:spPr>
           <a:xfrm>
             <a:off x="4214160" y="456120"/>
-            <a:ext cx="4111200" cy="854640"/>
+            <a:ext cx="4110840" cy="854280"/>
           </a:xfrm>
           <a:prstGeom prst="rect">
             <a:avLst/>
@@ -20116,8 +20116,8 @@
         </p:nvSpPr>
         <p:spPr>
           <a:xfrm rot="2744400">
-            <a:off x="-280080" y="-25560"/>
-            <a:ext cx="703800" cy="703440"/>
+            <a:off x="-279720" y="-25560"/>
+            <a:ext cx="703440" cy="703080"/>
           </a:xfrm>
           <a:prstGeom prst="roundRect">
             <a:avLst>
@@ -20155,7 +20155,7 @@
         <p:spPr>
           <a:xfrm rot="2332200">
             <a:off x="6009120" y="-319680"/>
-            <a:ext cx="4854960" cy="7725960"/>
+            <a:ext cx="4854600" cy="7725600"/>
           </a:xfrm>
           <a:prstGeom prst="roundRect">
             <a:avLst>
@@ -20193,9 +20193,9 @@
         <p:grpSpPr>
           <a:xfrm>
             <a:off x="4571640" y="828000"/>
-            <a:ext cx="4467600" cy="3563640"/>
+            <a:ext cx="4467240" cy="3563280"/>
             <a:chOff x="4571640" y="828000"/>
-            <a:chExt cx="4467600" cy="3563640"/>
+            <a:chExt cx="4467240" cy="3563280"/>
           </a:xfrm>
         </p:grpSpPr>
         <p:pic>
@@ -20211,7 +20211,7 @@
           <p:spPr>
             <a:xfrm>
               <a:off x="4571640" y="828000"/>
-              <a:ext cx="4467600" cy="3563640"/>
+              <a:ext cx="4467240" cy="3563280"/>
             </a:xfrm>
             <a:prstGeom prst="rect">
               <a:avLst/>
@@ -20229,8 +20229,8 @@
           </p:nvSpPr>
           <p:spPr>
             <a:xfrm rot="16200000">
-              <a:off x="5962680" y="1159560"/>
-              <a:ext cx="1736640" cy="2770560"/>
+              <a:off x="5962680" y="1159920"/>
+              <a:ext cx="1736280" cy="2770200"/>
             </a:xfrm>
             <a:prstGeom prst="roundRect">
               <a:avLst>
@@ -20297,7 +20297,7 @@
         <p:spPr>
           <a:xfrm>
             <a:off x="5446080" y="1672200"/>
-            <a:ext cx="2770200" cy="1736640"/>
+            <a:ext cx="2769840" cy="1736280"/>
           </a:xfrm>
           <a:prstGeom prst="rect">
             <a:avLst/>
@@ -20349,7 +20349,7 @@
         <p:spPr>
           <a:xfrm>
             <a:off x="586440" y="1246680"/>
-            <a:ext cx="4003560" cy="3599280"/>
+            <a:ext cx="4003200" cy="3598920"/>
           </a:xfrm>
           <a:prstGeom prst="rect">
             <a:avLst/>
@@ -20401,7 +20401,7 @@
         <p:spPr>
           <a:xfrm>
             <a:off x="586440" y="453960"/>
-            <a:ext cx="4763520" cy="854640"/>
+            <a:ext cx="4763160" cy="854280"/>
           </a:xfrm>
           <a:prstGeom prst="rect">
             <a:avLst/>
@@ -20489,8 +20489,8 @@
         </p:nvSpPr>
         <p:spPr>
           <a:xfrm rot="2745600">
-            <a:off x="8349840" y="-668160"/>
-            <a:ext cx="1497600" cy="1497600"/>
+            <a:off x="8349840" y="-667800"/>
+            <a:ext cx="1497240" cy="1497240"/>
           </a:xfrm>
           <a:prstGeom prst="roundRect">
             <a:avLst>
@@ -20528,7 +20528,7 @@
         <p:spPr>
           <a:xfrm rot="2745600">
             <a:off x="7634160" y="-322200"/>
-            <a:ext cx="806400" cy="806760"/>
+            <a:ext cx="806040" cy="806400"/>
           </a:xfrm>
           <a:prstGeom prst="roundRect">
             <a:avLst>
@@ -20567,7 +20567,7 @@
         <p:spPr>
           <a:xfrm>
             <a:off x="586440" y="899640"/>
-            <a:ext cx="7931160" cy="1536480"/>
+            <a:ext cx="7930800" cy="1536120"/>
           </a:xfrm>
           <a:prstGeom prst="rect">
             <a:avLst/>
@@ -20619,7 +20619,7 @@
         <p:spPr>
           <a:xfrm>
             <a:off x="608040" y="2545560"/>
-            <a:ext cx="3711600" cy="2255040"/>
+            <a:ext cx="3711240" cy="2254680"/>
           </a:xfrm>
           <a:prstGeom prst="rect">
             <a:avLst/>
@@ -20671,7 +20671,7 @@
         <p:spPr>
           <a:xfrm>
             <a:off x="4806360" y="2545560"/>
-            <a:ext cx="3711600" cy="2255040"/>
+            <a:ext cx="3711240" cy="2254680"/>
           </a:xfrm>
           <a:prstGeom prst="rect">
             <a:avLst/>
@@ -20723,7 +20723,7 @@
         <p:spPr>
           <a:xfrm>
             <a:off x="583200" y="450720"/>
-            <a:ext cx="7197480" cy="511560"/>
+            <a:ext cx="7197120" cy="511200"/>
           </a:xfrm>
           <a:prstGeom prst="rect">
             <a:avLst/>
@@ -20811,8 +20811,8 @@
         </p:nvSpPr>
         <p:spPr>
           <a:xfrm rot="2744400">
-            <a:off x="-280080" y="-25560"/>
-            <a:ext cx="703800" cy="703440"/>
+            <a:off x="-279720" y="-25560"/>
+            <a:ext cx="703440" cy="703080"/>
           </a:xfrm>
           <a:prstGeom prst="roundRect">
             <a:avLst>
@@ -20850,7 +20850,7 @@
         <p:spPr>
           <a:xfrm>
             <a:off x="569160" y="1888920"/>
-            <a:ext cx="4820400" cy="820800"/>
+            <a:ext cx="4820040" cy="820800"/>
           </a:xfrm>
           <a:prstGeom prst="rect">
             <a:avLst/>
@@ -20901,8 +20901,8 @@
         </p:nvSpPr>
         <p:spPr>
           <a:xfrm rot="18679800">
-            <a:off x="6782040" y="457920"/>
-            <a:ext cx="6249960" cy="4665600"/>
+            <a:off x="6781680" y="457920"/>
+            <a:ext cx="6249600" cy="4665240"/>
           </a:xfrm>
           <a:prstGeom prst="roundRect">
             <a:avLst>
@@ -20939,8 +20939,8 @@
         </p:nvSpPr>
         <p:spPr>
           <a:xfrm rot="2625600">
-            <a:off x="6024960" y="4332600"/>
-            <a:ext cx="467640" cy="467640"/>
+            <a:off x="6024960" y="4332240"/>
+            <a:ext cx="467280" cy="467280"/>
           </a:xfrm>
           <a:prstGeom prst="roundRect">
             <a:avLst>
@@ -20978,7 +20978,7 @@
         <p:spPr>
           <a:xfrm>
             <a:off x="1640880" y="4592880"/>
-            <a:ext cx="2994840" cy="265680"/>
+            <a:ext cx="2994480" cy="265320"/>
           </a:xfrm>
           <a:prstGeom prst="rect">
             <a:avLst/>
@@ -21040,7 +21040,7 @@
         <p:spPr>
           <a:xfrm>
             <a:off x="867240" y="3590280"/>
-            <a:ext cx="252720" cy="253080"/>
+            <a:ext cx="252360" cy="252720"/>
           </a:xfrm>
           <a:prstGeom prst="ellipse">
             <a:avLst/>
@@ -21075,7 +21075,7 @@
         <p:spPr>
           <a:xfrm>
             <a:off x="351000" y="3793320"/>
-            <a:ext cx="1285200" cy="1130760"/>
+            <a:ext cx="1284840" cy="1130400"/>
           </a:xfrm>
           <a:prstGeom prst="rect">
             <a:avLst/>
@@ -21130,8 +21130,8 @@
         </p:nvSpPr>
         <p:spPr>
           <a:xfrm rot="2744400">
-            <a:off x="-280080" y="-25560"/>
-            <a:ext cx="703800" cy="703440"/>
+            <a:off x="-279720" y="-25560"/>
+            <a:ext cx="703440" cy="703080"/>
           </a:xfrm>
           <a:prstGeom prst="roundRect">
             <a:avLst>
@@ -21169,7 +21169,7 @@
         <p:spPr>
           <a:xfrm rot="2332200">
             <a:off x="6009120" y="-319680"/>
-            <a:ext cx="4854960" cy="7725960"/>
+            <a:ext cx="4854600" cy="7725600"/>
           </a:xfrm>
           <a:prstGeom prst="roundRect">
             <a:avLst>
@@ -21207,9 +21207,9 @@
         <p:grpSpPr>
           <a:xfrm>
             <a:off x="4571640" y="828000"/>
-            <a:ext cx="4467600" cy="3563640"/>
+            <a:ext cx="4467240" cy="3563280"/>
             <a:chOff x="4571640" y="828000"/>
-            <a:chExt cx="4467600" cy="3563640"/>
+            <a:chExt cx="4467240" cy="3563280"/>
           </a:xfrm>
         </p:grpSpPr>
         <p:pic>
@@ -21225,7 +21225,7 @@
           <p:spPr>
             <a:xfrm>
               <a:off x="4571640" y="828000"/>
-              <a:ext cx="4467600" cy="3563640"/>
+              <a:ext cx="4467240" cy="3563280"/>
             </a:xfrm>
             <a:prstGeom prst="rect">
               <a:avLst/>
@@ -21243,8 +21243,8 @@
           </p:nvSpPr>
           <p:spPr>
             <a:xfrm rot="16200000">
-              <a:off x="5962680" y="1159560"/>
-              <a:ext cx="1736640" cy="2770560"/>
+              <a:off x="5962680" y="1159920"/>
+              <a:ext cx="1736280" cy="2770200"/>
             </a:xfrm>
             <a:prstGeom prst="roundRect">
               <a:avLst>
@@ -21311,7 +21311,7 @@
         <p:spPr>
           <a:xfrm>
             <a:off x="5446080" y="1672200"/>
-            <a:ext cx="2770200" cy="1736640"/>
+            <a:ext cx="2769840" cy="1736280"/>
           </a:xfrm>
           <a:prstGeom prst="rect">
             <a:avLst/>
@@ -21363,7 +21363,7 @@
         <p:spPr>
           <a:xfrm>
             <a:off x="586440" y="1246680"/>
-            <a:ext cx="4003560" cy="3599280"/>
+            <a:ext cx="4003200" cy="3598920"/>
           </a:xfrm>
           <a:prstGeom prst="rect">
             <a:avLst/>
@@ -21415,7 +21415,7 @@
         <p:spPr>
           <a:xfrm>
             <a:off x="586440" y="453960"/>
-            <a:ext cx="4763520" cy="854640"/>
+            <a:ext cx="4763160" cy="854280"/>
           </a:xfrm>
           <a:prstGeom prst="rect">
             <a:avLst/>
@@ -21503,8 +21503,8 @@
         </p:nvSpPr>
         <p:spPr>
           <a:xfrm rot="2745600">
-            <a:off x="8349840" y="-668160"/>
-            <a:ext cx="1497600" cy="1497600"/>
+            <a:off x="8349840" y="-667800"/>
+            <a:ext cx="1497240" cy="1497240"/>
           </a:xfrm>
           <a:prstGeom prst="roundRect">
             <a:avLst>
@@ -21542,7 +21542,7 @@
         <p:spPr>
           <a:xfrm rot="2745600">
             <a:off x="7634160" y="-322200"/>
-            <a:ext cx="806400" cy="806760"/>
+            <a:ext cx="806040" cy="806400"/>
           </a:xfrm>
           <a:prstGeom prst="roundRect">
             <a:avLst>
@@ -21581,7 +21581,7 @@
         <p:spPr>
           <a:xfrm>
             <a:off x="586440" y="899640"/>
-            <a:ext cx="7931160" cy="1536480"/>
+            <a:ext cx="7930800" cy="1536120"/>
           </a:xfrm>
           <a:prstGeom prst="rect">
             <a:avLst/>
@@ -21633,7 +21633,7 @@
         <p:spPr>
           <a:xfrm>
             <a:off x="608040" y="2545560"/>
-            <a:ext cx="3711600" cy="2255040"/>
+            <a:ext cx="3711240" cy="2254680"/>
           </a:xfrm>
           <a:prstGeom prst="rect">
             <a:avLst/>
@@ -21685,7 +21685,7 @@
         <p:spPr>
           <a:xfrm>
             <a:off x="4806360" y="2545560"/>
-            <a:ext cx="3711600" cy="2255040"/>
+            <a:ext cx="3711240" cy="2254680"/>
           </a:xfrm>
           <a:prstGeom prst="rect">
             <a:avLst/>
@@ -21737,7 +21737,7 @@
         <p:spPr>
           <a:xfrm>
             <a:off x="583200" y="450720"/>
-            <a:ext cx="7197480" cy="511560"/>
+            <a:ext cx="7197120" cy="511200"/>
           </a:xfrm>
           <a:prstGeom prst="rect">
             <a:avLst/>
@@ -21819,7 +21819,7 @@
         <p:spPr>
           <a:xfrm>
             <a:off x="586440" y="1246680"/>
-            <a:ext cx="4003560" cy="3599280"/>
+            <a:ext cx="4003200" cy="3598920"/>
           </a:xfrm>
           <a:prstGeom prst="rect">
             <a:avLst/>
@@ -21871,7 +21871,7 @@
         <p:spPr>
           <a:xfrm>
             <a:off x="559800" y="446040"/>
-            <a:ext cx="4282920" cy="682920"/>
+            <a:ext cx="4282560" cy="682560"/>
           </a:xfrm>
           <a:prstGeom prst="rect">
             <a:avLst/>
@@ -21923,7 +21923,7 @@
         <p:spPr>
           <a:xfrm>
             <a:off x="5097600" y="360"/>
-            <a:ext cx="4379040" cy="5143320"/>
+            <a:ext cx="4378680" cy="5142960"/>
           </a:xfrm>
           <a:prstGeom prst="roundRect">
             <a:avLst>
@@ -21988,8 +21988,8 @@
         </p:nvSpPr>
         <p:spPr>
           <a:xfrm rot="2744400">
-            <a:off x="-280080" y="-25560"/>
-            <a:ext cx="703800" cy="703440"/>
+            <a:off x="-279720" y="-25560"/>
+            <a:ext cx="703440" cy="703080"/>
           </a:xfrm>
           <a:prstGeom prst="roundRect">
             <a:avLst>
@@ -22026,8 +22026,8 @@
         </p:nvSpPr>
         <p:spPr>
           <a:xfrm rot="2625600">
-            <a:off x="4861080" y="4146480"/>
-            <a:ext cx="467640" cy="467640"/>
+            <a:off x="4861080" y="4146120"/>
+            <a:ext cx="467280" cy="467280"/>
           </a:xfrm>
           <a:prstGeom prst="roundRect">
             <a:avLst>
@@ -22101,8 +22101,8 @@
         </p:nvSpPr>
         <p:spPr>
           <a:xfrm rot="2744400">
-            <a:off x="-349200" y="4539600"/>
-            <a:ext cx="703800" cy="703440"/>
+            <a:off x="-348840" y="4539240"/>
+            <a:ext cx="703440" cy="703080"/>
           </a:xfrm>
           <a:prstGeom prst="roundRect">
             <a:avLst>
@@ -22139,8 +22139,8 @@
         </p:nvSpPr>
         <p:spPr>
           <a:xfrm rot="19228200">
-            <a:off x="5845680" y="-2265840"/>
-            <a:ext cx="4854600" cy="7725600"/>
+            <a:off x="5845680" y="-2265480"/>
+            <a:ext cx="4854240" cy="7725240"/>
           </a:xfrm>
           <a:prstGeom prst="roundRect">
             <a:avLst>
@@ -22178,9 +22178,9 @@
         <p:grpSpPr>
           <a:xfrm>
             <a:off x="4571640" y="828000"/>
-            <a:ext cx="4467600" cy="3563640"/>
+            <a:ext cx="4467240" cy="3563280"/>
             <a:chOff x="4571640" y="828000"/>
-            <a:chExt cx="4467600" cy="3563640"/>
+            <a:chExt cx="4467240" cy="3563280"/>
           </a:xfrm>
         </p:grpSpPr>
         <p:pic>
@@ -22196,7 +22196,7 @@
           <p:spPr>
             <a:xfrm>
               <a:off x="4571640" y="828000"/>
-              <a:ext cx="4467600" cy="3563640"/>
+              <a:ext cx="4467240" cy="3563280"/>
             </a:xfrm>
             <a:prstGeom prst="rect">
               <a:avLst/>
@@ -22214,8 +22214,8 @@
           </p:nvSpPr>
           <p:spPr>
             <a:xfrm rot="16200000">
-              <a:off x="5962680" y="1159560"/>
-              <a:ext cx="1736640" cy="2770560"/>
+              <a:off x="5962680" y="1159920"/>
+              <a:ext cx="1736280" cy="2770200"/>
             </a:xfrm>
             <a:prstGeom prst="roundRect">
               <a:avLst>
@@ -22282,7 +22282,7 @@
         <p:spPr>
           <a:xfrm>
             <a:off x="586440" y="1246680"/>
-            <a:ext cx="4003560" cy="3599280"/>
+            <a:ext cx="4003200" cy="3598920"/>
           </a:xfrm>
           <a:prstGeom prst="rect">
             <a:avLst/>
@@ -22334,7 +22334,7 @@
         <p:spPr>
           <a:xfrm>
             <a:off x="5446080" y="1672200"/>
-            <a:ext cx="2779560" cy="1736640"/>
+            <a:ext cx="2779200" cy="1736280"/>
           </a:xfrm>
           <a:prstGeom prst="rect">
             <a:avLst/>
@@ -22386,7 +22386,7 @@
         <p:spPr>
           <a:xfrm>
             <a:off x="586440" y="453960"/>
-            <a:ext cx="3696120" cy="854640"/>
+            <a:ext cx="3695760" cy="854280"/>
           </a:xfrm>
           <a:prstGeom prst="rect">
             <a:avLst/>
@@ -22475,7 +22475,7 @@
         <p:spPr>
           <a:xfrm>
             <a:off x="4222080" y="1246680"/>
-            <a:ext cx="4114440" cy="3599280"/>
+            <a:ext cx="4114080" cy="3598920"/>
           </a:xfrm>
           <a:prstGeom prst="rect">
             <a:avLst/>
@@ -22526,8 +22526,8 @@
         </p:nvSpPr>
         <p:spPr>
           <a:xfrm rot="16200000">
-            <a:off x="-2181600" y="1734120"/>
-            <a:ext cx="5143320" cy="1683360"/>
+            <a:off x="-2181600" y="1734480"/>
+            <a:ext cx="5142960" cy="1683000"/>
           </a:xfrm>
           <a:prstGeom prst="roundRect">
             <a:avLst>
@@ -22564,8 +22564,8 @@
         </p:nvSpPr>
         <p:spPr>
           <a:xfrm rot="2745000">
-            <a:off x="8575200" y="103320"/>
-            <a:ext cx="1131840" cy="1131480"/>
+            <a:off x="8575200" y="102960"/>
+            <a:ext cx="1131480" cy="1131120"/>
           </a:xfrm>
           <a:prstGeom prst="roundRect">
             <a:avLst>
@@ -22602,8 +22602,8 @@
         </p:nvSpPr>
         <p:spPr>
           <a:xfrm rot="16200000">
-            <a:off x="614880" y="919440"/>
-            <a:ext cx="3231360" cy="3313080"/>
+            <a:off x="614880" y="919800"/>
+            <a:ext cx="3231000" cy="3312720"/>
           </a:xfrm>
           <a:prstGeom prst="roundRect">
             <a:avLst>
@@ -22669,7 +22669,7 @@
         <p:spPr>
           <a:xfrm>
             <a:off x="4214160" y="456120"/>
-            <a:ext cx="4111200" cy="854640"/>
+            <a:ext cx="4110840" cy="854280"/>
           </a:xfrm>
           <a:prstGeom prst="rect">
             <a:avLst/>
